--- a/Programa.pptx
+++ b/Programa.pptx
@@ -5,24 +5,26 @@
     <p:sldMasterId id="2147483964" r:id="rId1"/>
   </p:sldMasterIdLst>
   <p:notesMasterIdLst>
-    <p:notesMasterId r:id="rId17"/>
+    <p:notesMasterId r:id="rId19"/>
   </p:notesMasterIdLst>
   <p:sldIdLst>
     <p:sldId id="256" r:id="rId2"/>
     <p:sldId id="257" r:id="rId3"/>
-    <p:sldId id="258" r:id="rId4"/>
-    <p:sldId id="259" r:id="rId5"/>
-    <p:sldId id="260" r:id="rId6"/>
-    <p:sldId id="261" r:id="rId7"/>
-    <p:sldId id="262" r:id="rId8"/>
-    <p:sldId id="263" r:id="rId9"/>
-    <p:sldId id="264" r:id="rId10"/>
-    <p:sldId id="265" r:id="rId11"/>
-    <p:sldId id="266" r:id="rId12"/>
-    <p:sldId id="267" r:id="rId13"/>
-    <p:sldId id="268" r:id="rId14"/>
-    <p:sldId id="270" r:id="rId15"/>
-    <p:sldId id="269" r:id="rId16"/>
+    <p:sldId id="271" r:id="rId4"/>
+    <p:sldId id="272" r:id="rId5"/>
+    <p:sldId id="258" r:id="rId6"/>
+    <p:sldId id="259" r:id="rId7"/>
+    <p:sldId id="260" r:id="rId8"/>
+    <p:sldId id="261" r:id="rId9"/>
+    <p:sldId id="262" r:id="rId10"/>
+    <p:sldId id="263" r:id="rId11"/>
+    <p:sldId id="264" r:id="rId12"/>
+    <p:sldId id="265" r:id="rId13"/>
+    <p:sldId id="266" r:id="rId14"/>
+    <p:sldId id="267" r:id="rId15"/>
+    <p:sldId id="268" r:id="rId16"/>
+    <p:sldId id="270" r:id="rId17"/>
+    <p:sldId id="269" r:id="rId18"/>
   </p:sldIdLst>
   <p:sldSz cx="9144000" cy="5143500" type="screen16x9"/>
   <p:notesSz cx="6858000" cy="9144000"/>
@@ -349,6 +351,11 @@
                 </a:outerShdw>
               </a:effectLst>
             </c:spPr>
+            <c:extLst>
+              <c:ext xmlns:c16="http://schemas.microsoft.com/office/drawing/2014/chart" uri="{C3380CC4-5D6E-409C-BE32-E72D297353CC}">
+                <c16:uniqueId val="{00000003-C829-F34C-AEE5-E89506DEA99A}"/>
+              </c:ext>
+            </c:extLst>
           </c:dPt>
           <c:dPt>
             <c:idx val="2"/>
@@ -368,6 +375,11 @@
                 </a:outerShdw>
               </a:effectLst>
             </c:spPr>
+            <c:extLst>
+              <c:ext xmlns:c16="http://schemas.microsoft.com/office/drawing/2014/chart" uri="{C3380CC4-5D6E-409C-BE32-E72D297353CC}">
+                <c16:uniqueId val="{00000005-C829-F34C-AEE5-E89506DEA99A}"/>
+              </c:ext>
+            </c:extLst>
           </c:dPt>
           <c:dPt>
             <c:idx val="3"/>
@@ -387,6 +399,11 @@
                 </a:outerShdw>
               </a:effectLst>
             </c:spPr>
+            <c:extLst>
+              <c:ext xmlns:c16="http://schemas.microsoft.com/office/drawing/2014/chart" uri="{C3380CC4-5D6E-409C-BE32-E72D297353CC}">
+                <c16:uniqueId val="{00000007-C829-F34C-AEE5-E89506DEA99A}"/>
+              </c:ext>
+            </c:extLst>
           </c:dPt>
           <c:dPt>
             <c:idx val="4"/>
@@ -406,6 +423,11 @@
                 </a:outerShdw>
               </a:effectLst>
             </c:spPr>
+            <c:extLst>
+              <c:ext xmlns:c16="http://schemas.microsoft.com/office/drawing/2014/chart" uri="{C3380CC4-5D6E-409C-BE32-E72D297353CC}">
+                <c16:uniqueId val="{00000009-C829-F34C-AEE5-E89506DEA99A}"/>
+              </c:ext>
+            </c:extLst>
           </c:dPt>
           <c:dPt>
             <c:idx val="5"/>
@@ -425,6 +447,11 @@
                 </a:outerShdw>
               </a:effectLst>
             </c:spPr>
+            <c:extLst>
+              <c:ext xmlns:c16="http://schemas.microsoft.com/office/drawing/2014/chart" uri="{C3380CC4-5D6E-409C-BE32-E72D297353CC}">
+                <c16:uniqueId val="{0000000B-C829-F34C-AEE5-E89506DEA99A}"/>
+              </c:ext>
+            </c:extLst>
           </c:dPt>
           <c:dPt>
             <c:idx val="6"/>
@@ -446,6 +473,11 @@
                 </a:outerShdw>
               </a:effectLst>
             </c:spPr>
+            <c:extLst>
+              <c:ext xmlns:c16="http://schemas.microsoft.com/office/drawing/2014/chart" uri="{C3380CC4-5D6E-409C-BE32-E72D297353CC}">
+                <c16:uniqueId val="{0000000D-C829-F34C-AEE5-E89506DEA99A}"/>
+              </c:ext>
+            </c:extLst>
           </c:dPt>
           <c:dPt>
             <c:idx val="7"/>
@@ -467,6 +499,11 @@
                 </a:outerShdw>
               </a:effectLst>
             </c:spPr>
+            <c:extLst>
+              <c:ext xmlns:c16="http://schemas.microsoft.com/office/drawing/2014/chart" uri="{C3380CC4-5D6E-409C-BE32-E72D297353CC}">
+                <c16:uniqueId val="{0000000F-C829-F34C-AEE5-E89506DEA99A}"/>
+              </c:ext>
+            </c:extLst>
           </c:dPt>
           <c:dLbls>
             <c:spPr>
@@ -2158,7 +2195,7 @@
   <p:cSld>
     <p:spTree>
       <p:nvGrpSpPr>
-        <p:cNvPr id="1" name="Shape 111"/>
+        <p:cNvPr id="1" name="Shape 98"/>
         <p:cNvGrpSpPr/>
         <p:nvPr/>
       </p:nvGrpSpPr>
@@ -2172,7 +2209,7 @@
       </p:grpSpPr>
       <p:sp>
         <p:nvSpPr>
-          <p:cNvPr id="112" name="Google Shape;112;g3e99a56fbf_0_12:notes"/>
+          <p:cNvPr id="99" name="Google Shape;99;g3e99a56fbf_0_99:notes"/>
           <p:cNvSpPr>
             <a:spLocks noGrp="1" noRot="1" noChangeAspect="1"/>
           </p:cNvSpPr>
@@ -2213,7 +2250,7 @@
       </p:sp>
       <p:sp>
         <p:nvSpPr>
-          <p:cNvPr id="113" name="Google Shape;113;g3e99a56fbf_0_12:notes"/>
+          <p:cNvPr id="100" name="Google Shape;100;g3e99a56fbf_0_99:notes"/>
           <p:cNvSpPr txBox="1">
             <a:spLocks noGrp="1"/>
           </p:cNvSpPr>
@@ -2262,7 +2299,7 @@
   <p:cSld>
     <p:spTree>
       <p:nvGrpSpPr>
-        <p:cNvPr id="1" name="Shape 119"/>
+        <p:cNvPr id="1" name="Shape 103"/>
         <p:cNvGrpSpPr/>
         <p:nvPr/>
       </p:nvGrpSpPr>
@@ -2276,7 +2313,7 @@
       </p:grpSpPr>
       <p:sp>
         <p:nvSpPr>
-          <p:cNvPr id="120" name="Google Shape;120;g3e99a56fbf_0_6:notes"/>
+          <p:cNvPr id="104" name="Google Shape;104;g3e99a56fbf_0_19:notes"/>
           <p:cNvSpPr>
             <a:spLocks noGrp="1" noRot="1" noChangeAspect="1"/>
           </p:cNvSpPr>
@@ -2317,7 +2354,7 @@
       </p:sp>
       <p:sp>
         <p:nvSpPr>
-          <p:cNvPr id="121" name="Google Shape;121;g3e99a56fbf_0_6:notes"/>
+          <p:cNvPr id="105" name="Google Shape;105;g3e99a56fbf_0_19:notes"/>
           <p:cNvSpPr txBox="1">
             <a:spLocks noGrp="1"/>
           </p:cNvSpPr>
@@ -2366,7 +2403,7 @@
   <p:cSld>
     <p:spTree>
       <p:nvGrpSpPr>
-        <p:cNvPr id="1" name="Shape 127"/>
+        <p:cNvPr id="1" name="Shape 111"/>
         <p:cNvGrpSpPr/>
         <p:nvPr/>
       </p:nvGrpSpPr>
@@ -2380,7 +2417,7 @@
       </p:grpSpPr>
       <p:sp>
         <p:nvSpPr>
-          <p:cNvPr id="128" name="Google Shape;128;g3e99a56fbf_0_74:notes"/>
+          <p:cNvPr id="112" name="Google Shape;112;g3e99a56fbf_0_12:notes"/>
           <p:cNvSpPr>
             <a:spLocks noGrp="1" noRot="1" noChangeAspect="1"/>
           </p:cNvSpPr>
@@ -2421,7 +2458,7 @@
       </p:sp>
       <p:sp>
         <p:nvSpPr>
-          <p:cNvPr id="129" name="Google Shape;129;g3e99a56fbf_0_74:notes"/>
+          <p:cNvPr id="113" name="Google Shape;113;g3e99a56fbf_0_12:notes"/>
           <p:cNvSpPr txBox="1">
             <a:spLocks noGrp="1"/>
           </p:cNvSpPr>
@@ -2470,7 +2507,7 @@
   <p:cSld>
     <p:spTree>
       <p:nvGrpSpPr>
-        <p:cNvPr id="1" name="Shape 135"/>
+        <p:cNvPr id="1" name="Shape 119"/>
         <p:cNvGrpSpPr/>
         <p:nvPr/>
       </p:nvGrpSpPr>
@@ -2484,7 +2521,7 @@
       </p:grpSpPr>
       <p:sp>
         <p:nvSpPr>
-          <p:cNvPr id="136" name="Google Shape;136;g3e99a56fbf_0_83:notes"/>
+          <p:cNvPr id="120" name="Google Shape;120;g3e99a56fbf_0_6:notes"/>
           <p:cNvSpPr>
             <a:spLocks noGrp="1" noRot="1" noChangeAspect="1"/>
           </p:cNvSpPr>
@@ -2525,7 +2562,7 @@
       </p:sp>
       <p:sp>
         <p:nvSpPr>
-          <p:cNvPr id="137" name="Google Shape;137;g3e99a56fbf_0_83:notes"/>
+          <p:cNvPr id="121" name="Google Shape;121;g3e99a56fbf_0_6:notes"/>
           <p:cNvSpPr txBox="1">
             <a:spLocks noGrp="1"/>
           </p:cNvSpPr>
@@ -2570,6 +2607,214 @@
 </file>
 
 <file path=ppt/notesSlides/notesSlide14.xml><?xml version="1.0" encoding="utf-8"?>
+<p:notes xmlns:a="http://schemas.openxmlformats.org/drawingml/2006/main" xmlns:r="http://schemas.openxmlformats.org/officeDocument/2006/relationships" xmlns:p="http://schemas.openxmlformats.org/presentationml/2006/main" showMasterSp="0" showMasterPhAnim="0">
+  <p:cSld>
+    <p:spTree>
+      <p:nvGrpSpPr>
+        <p:cNvPr id="1" name="Shape 127"/>
+        <p:cNvGrpSpPr/>
+        <p:nvPr/>
+      </p:nvGrpSpPr>
+      <p:grpSpPr>
+        <a:xfrm>
+          <a:off x="0" y="0"/>
+          <a:ext cx="0" cy="0"/>
+          <a:chOff x="0" y="0"/>
+          <a:chExt cx="0" cy="0"/>
+        </a:xfrm>
+      </p:grpSpPr>
+      <p:sp>
+        <p:nvSpPr>
+          <p:cNvPr id="128" name="Google Shape;128;g3e99a56fbf_0_74:notes"/>
+          <p:cNvSpPr>
+            <a:spLocks noGrp="1" noRot="1" noChangeAspect="1"/>
+          </p:cNvSpPr>
+          <p:nvPr>
+            <p:ph type="sldImg" idx="2"/>
+          </p:nvPr>
+        </p:nvSpPr>
+        <p:spPr>
+          <a:xfrm>
+            <a:off x="381000" y="685800"/>
+            <a:ext cx="6096000" cy="3429000"/>
+          </a:xfrm>
+          <a:custGeom>
+            <a:avLst/>
+            <a:gdLst/>
+            <a:ahLst/>
+            <a:cxnLst/>
+            <a:rect l="l" t="t" r="r" b="b"/>
+            <a:pathLst>
+              <a:path w="120000" h="120000" extrusionOk="0">
+                <a:moveTo>
+                  <a:pt x="0" y="0"/>
+                </a:moveTo>
+                <a:lnTo>
+                  <a:pt x="120000" y="0"/>
+                </a:lnTo>
+                <a:lnTo>
+                  <a:pt x="120000" y="120000"/>
+                </a:lnTo>
+                <a:lnTo>
+                  <a:pt x="0" y="120000"/>
+                </a:lnTo>
+                <a:close/>
+              </a:path>
+            </a:pathLst>
+          </a:custGeom>
+        </p:spPr>
+      </p:sp>
+      <p:sp>
+        <p:nvSpPr>
+          <p:cNvPr id="129" name="Google Shape;129;g3e99a56fbf_0_74:notes"/>
+          <p:cNvSpPr txBox="1">
+            <a:spLocks noGrp="1"/>
+          </p:cNvSpPr>
+          <p:nvPr>
+            <p:ph type="body" idx="1"/>
+          </p:nvPr>
+        </p:nvSpPr>
+        <p:spPr>
+          <a:xfrm>
+            <a:off x="685800" y="4343400"/>
+            <a:ext cx="5486400" cy="4114800"/>
+          </a:xfrm>
+          <a:prstGeom prst="rect">
+            <a:avLst/>
+          </a:prstGeom>
+        </p:spPr>
+        <p:txBody>
+          <a:bodyPr spcFirstLastPara="1" wrap="square" lIns="91425" tIns="91425" rIns="91425" bIns="91425" anchor="t" anchorCtr="0">
+            <a:noAutofit/>
+          </a:bodyPr>
+          <a:lstStyle/>
+          <a:p>
+            <a:pPr marL="0" lvl="0" indent="0" algn="l" rtl="0">
+              <a:spcBef>
+                <a:spcPts val="0"/>
+              </a:spcBef>
+              <a:spcAft>
+                <a:spcPts val="0"/>
+              </a:spcAft>
+              <a:buNone/>
+            </a:pPr>
+            <a:endParaRPr/>
+          </a:p>
+        </p:txBody>
+      </p:sp>
+    </p:spTree>
+  </p:cSld>
+  <p:clrMapOvr>
+    <a:masterClrMapping/>
+  </p:clrMapOvr>
+</p:notes>
+</file>
+
+<file path=ppt/notesSlides/notesSlide15.xml><?xml version="1.0" encoding="utf-8"?>
+<p:notes xmlns:a="http://schemas.openxmlformats.org/drawingml/2006/main" xmlns:r="http://schemas.openxmlformats.org/officeDocument/2006/relationships" xmlns:p="http://schemas.openxmlformats.org/presentationml/2006/main" showMasterSp="0" showMasterPhAnim="0">
+  <p:cSld>
+    <p:spTree>
+      <p:nvGrpSpPr>
+        <p:cNvPr id="1" name="Shape 135"/>
+        <p:cNvGrpSpPr/>
+        <p:nvPr/>
+      </p:nvGrpSpPr>
+      <p:grpSpPr>
+        <a:xfrm>
+          <a:off x="0" y="0"/>
+          <a:ext cx="0" cy="0"/>
+          <a:chOff x="0" y="0"/>
+          <a:chExt cx="0" cy="0"/>
+        </a:xfrm>
+      </p:grpSpPr>
+      <p:sp>
+        <p:nvSpPr>
+          <p:cNvPr id="136" name="Google Shape;136;g3e99a56fbf_0_83:notes"/>
+          <p:cNvSpPr>
+            <a:spLocks noGrp="1" noRot="1" noChangeAspect="1"/>
+          </p:cNvSpPr>
+          <p:nvPr>
+            <p:ph type="sldImg" idx="2"/>
+          </p:nvPr>
+        </p:nvSpPr>
+        <p:spPr>
+          <a:xfrm>
+            <a:off x="381000" y="685800"/>
+            <a:ext cx="6096000" cy="3429000"/>
+          </a:xfrm>
+          <a:custGeom>
+            <a:avLst/>
+            <a:gdLst/>
+            <a:ahLst/>
+            <a:cxnLst/>
+            <a:rect l="l" t="t" r="r" b="b"/>
+            <a:pathLst>
+              <a:path w="120000" h="120000" extrusionOk="0">
+                <a:moveTo>
+                  <a:pt x="0" y="0"/>
+                </a:moveTo>
+                <a:lnTo>
+                  <a:pt x="120000" y="0"/>
+                </a:lnTo>
+                <a:lnTo>
+                  <a:pt x="120000" y="120000"/>
+                </a:lnTo>
+                <a:lnTo>
+                  <a:pt x="0" y="120000"/>
+                </a:lnTo>
+                <a:close/>
+              </a:path>
+            </a:pathLst>
+          </a:custGeom>
+        </p:spPr>
+      </p:sp>
+      <p:sp>
+        <p:nvSpPr>
+          <p:cNvPr id="137" name="Google Shape;137;g3e99a56fbf_0_83:notes"/>
+          <p:cNvSpPr txBox="1">
+            <a:spLocks noGrp="1"/>
+          </p:cNvSpPr>
+          <p:nvPr>
+            <p:ph type="body" idx="1"/>
+          </p:nvPr>
+        </p:nvSpPr>
+        <p:spPr>
+          <a:xfrm>
+            <a:off x="685800" y="4343400"/>
+            <a:ext cx="5486400" cy="4114800"/>
+          </a:xfrm>
+          <a:prstGeom prst="rect">
+            <a:avLst/>
+          </a:prstGeom>
+        </p:spPr>
+        <p:txBody>
+          <a:bodyPr spcFirstLastPara="1" wrap="square" lIns="91425" tIns="91425" rIns="91425" bIns="91425" anchor="t" anchorCtr="0">
+            <a:noAutofit/>
+          </a:bodyPr>
+          <a:lstStyle/>
+          <a:p>
+            <a:pPr marL="0" lvl="0" indent="0" algn="l" rtl="0">
+              <a:spcBef>
+                <a:spcPts val="0"/>
+              </a:spcBef>
+              <a:spcAft>
+                <a:spcPts val="0"/>
+              </a:spcAft>
+              <a:buNone/>
+            </a:pPr>
+            <a:endParaRPr/>
+          </a:p>
+        </p:txBody>
+      </p:sp>
+    </p:spTree>
+  </p:cSld>
+  <p:clrMapOvr>
+    <a:masterClrMapping/>
+  </p:clrMapOvr>
+</p:notes>
+</file>
+
+<file path=ppt/notesSlides/notesSlide16.xml><?xml version="1.0" encoding="utf-8"?>
 <p:notes xmlns:a="http://schemas.openxmlformats.org/drawingml/2006/main" xmlns:r="http://schemas.openxmlformats.org/officeDocument/2006/relationships" xmlns:p="http://schemas.openxmlformats.org/presentationml/2006/main" showMasterSp="0" showMasterPhAnim="0">
   <p:cSld>
     <p:spTree>
@@ -2787,7 +3032,7 @@
   <p:cSld>
     <p:spTree>
       <p:nvGrpSpPr>
-        <p:cNvPr id="1" name="Shape 63"/>
+        <p:cNvPr id="1" name="Shape 56"/>
         <p:cNvGrpSpPr/>
         <p:nvPr/>
       </p:nvGrpSpPr>
@@ -2801,7 +3046,7 @@
       </p:grpSpPr>
       <p:sp>
         <p:nvSpPr>
-          <p:cNvPr id="64" name="Google Shape;64;g3e99a56fbf_0_32:notes"/>
+          <p:cNvPr id="57" name="Google Shape;57;g3e99a56fbf_0_0:notes"/>
           <p:cNvSpPr>
             <a:spLocks noGrp="1" noRot="1" noChangeAspect="1"/>
           </p:cNvSpPr>
@@ -2842,7 +3087,7 @@
       </p:sp>
       <p:sp>
         <p:nvSpPr>
-          <p:cNvPr id="65" name="Google Shape;65;g3e99a56fbf_0_32:notes"/>
+          <p:cNvPr id="58" name="Google Shape;58;g3e99a56fbf_0_0:notes"/>
           <p:cNvSpPr txBox="1">
             <a:spLocks noGrp="1"/>
           </p:cNvSpPr>
@@ -2879,6 +3124,11 @@
         </p:txBody>
       </p:sp>
     </p:spTree>
+    <p:extLst>
+      <p:ext uri="{BB962C8B-B14F-4D97-AF65-F5344CB8AC3E}">
+        <p14:creationId xmlns:p14="http://schemas.microsoft.com/office/powerpoint/2010/main" val="2564383877"/>
+      </p:ext>
+    </p:extLst>
   </p:cSld>
   <p:clrMapOvr>
     <a:masterClrMapping/>
@@ -2891,7 +3141,7 @@
   <p:cSld>
     <p:spTree>
       <p:nvGrpSpPr>
-        <p:cNvPr id="1" name="Shape 70"/>
+        <p:cNvPr id="1" name="Shape 56"/>
         <p:cNvGrpSpPr/>
         <p:nvPr/>
       </p:nvGrpSpPr>
@@ -2905,7 +3155,7 @@
       </p:grpSpPr>
       <p:sp>
         <p:nvSpPr>
-          <p:cNvPr id="71" name="Google Shape;71;g3e99a56fbf_0_39:notes"/>
+          <p:cNvPr id="57" name="Google Shape;57;g3e99a56fbf_0_0:notes"/>
           <p:cNvSpPr>
             <a:spLocks noGrp="1" noRot="1" noChangeAspect="1"/>
           </p:cNvSpPr>
@@ -2946,7 +3196,7 @@
       </p:sp>
       <p:sp>
         <p:nvSpPr>
-          <p:cNvPr id="72" name="Google Shape;72;g3e99a56fbf_0_39:notes"/>
+          <p:cNvPr id="58" name="Google Shape;58;g3e99a56fbf_0_0:notes"/>
           <p:cNvSpPr txBox="1">
             <a:spLocks noGrp="1"/>
           </p:cNvSpPr>
@@ -2983,6 +3233,11 @@
         </p:txBody>
       </p:sp>
     </p:spTree>
+    <p:extLst>
+      <p:ext uri="{BB962C8B-B14F-4D97-AF65-F5344CB8AC3E}">
+        <p14:creationId xmlns:p14="http://schemas.microsoft.com/office/powerpoint/2010/main" val="228489588"/>
+      </p:ext>
+    </p:extLst>
   </p:cSld>
   <p:clrMapOvr>
     <a:masterClrMapping/>
@@ -2995,7 +3250,7 @@
   <p:cSld>
     <p:spTree>
       <p:nvGrpSpPr>
-        <p:cNvPr id="1" name="Shape 77"/>
+        <p:cNvPr id="1" name="Shape 63"/>
         <p:cNvGrpSpPr/>
         <p:nvPr/>
       </p:nvGrpSpPr>
@@ -3009,7 +3264,7 @@
       </p:grpSpPr>
       <p:sp>
         <p:nvSpPr>
-          <p:cNvPr id="78" name="Google Shape;78;g3e99a56fbf_0_51:notes"/>
+          <p:cNvPr id="64" name="Google Shape;64;g3e99a56fbf_0_32:notes"/>
           <p:cNvSpPr>
             <a:spLocks noGrp="1" noRot="1" noChangeAspect="1"/>
           </p:cNvSpPr>
@@ -3050,7 +3305,7 @@
       </p:sp>
       <p:sp>
         <p:nvSpPr>
-          <p:cNvPr id="79" name="Google Shape;79;g3e99a56fbf_0_51:notes"/>
+          <p:cNvPr id="65" name="Google Shape;65;g3e99a56fbf_0_32:notes"/>
           <p:cNvSpPr txBox="1">
             <a:spLocks noGrp="1"/>
           </p:cNvSpPr>
@@ -3099,7 +3354,7 @@
   <p:cSld>
     <p:spTree>
       <p:nvGrpSpPr>
-        <p:cNvPr id="1" name="Shape 84"/>
+        <p:cNvPr id="1" name="Shape 70"/>
         <p:cNvGrpSpPr/>
         <p:nvPr/>
       </p:nvGrpSpPr>
@@ -3113,7 +3368,7 @@
       </p:grpSpPr>
       <p:sp>
         <p:nvSpPr>
-          <p:cNvPr id="85" name="Google Shape;85;g3e99a56fbf_0_64:notes"/>
+          <p:cNvPr id="71" name="Google Shape;71;g3e99a56fbf_0_39:notes"/>
           <p:cNvSpPr>
             <a:spLocks noGrp="1" noRot="1" noChangeAspect="1"/>
           </p:cNvSpPr>
@@ -3154,7 +3409,7 @@
       </p:sp>
       <p:sp>
         <p:nvSpPr>
-          <p:cNvPr id="86" name="Google Shape;86;g3e99a56fbf_0_64:notes"/>
+          <p:cNvPr id="72" name="Google Shape;72;g3e99a56fbf_0_39:notes"/>
           <p:cNvSpPr txBox="1">
             <a:spLocks noGrp="1"/>
           </p:cNvSpPr>
@@ -3203,7 +3458,7 @@
   <p:cSld>
     <p:spTree>
       <p:nvGrpSpPr>
-        <p:cNvPr id="1" name="Shape 91"/>
+        <p:cNvPr id="1" name="Shape 77"/>
         <p:cNvGrpSpPr/>
         <p:nvPr/>
       </p:nvGrpSpPr>
@@ -3217,7 +3472,7 @@
       </p:grpSpPr>
       <p:sp>
         <p:nvSpPr>
-          <p:cNvPr id="92" name="Google Shape;92;g3e99a56fbf_0_91:notes"/>
+          <p:cNvPr id="78" name="Google Shape;78;g3e99a56fbf_0_51:notes"/>
           <p:cNvSpPr>
             <a:spLocks noGrp="1" noRot="1" noChangeAspect="1"/>
           </p:cNvSpPr>
@@ -3258,7 +3513,7 @@
       </p:sp>
       <p:sp>
         <p:nvSpPr>
-          <p:cNvPr id="93" name="Google Shape;93;g3e99a56fbf_0_91:notes"/>
+          <p:cNvPr id="79" name="Google Shape;79;g3e99a56fbf_0_51:notes"/>
           <p:cNvSpPr txBox="1">
             <a:spLocks noGrp="1"/>
           </p:cNvSpPr>
@@ -3307,7 +3562,7 @@
   <p:cSld>
     <p:spTree>
       <p:nvGrpSpPr>
-        <p:cNvPr id="1" name="Shape 98"/>
+        <p:cNvPr id="1" name="Shape 84"/>
         <p:cNvGrpSpPr/>
         <p:nvPr/>
       </p:nvGrpSpPr>
@@ -3321,7 +3576,7 @@
       </p:grpSpPr>
       <p:sp>
         <p:nvSpPr>
-          <p:cNvPr id="99" name="Google Shape;99;g3e99a56fbf_0_99:notes"/>
+          <p:cNvPr id="85" name="Google Shape;85;g3e99a56fbf_0_64:notes"/>
           <p:cNvSpPr>
             <a:spLocks noGrp="1" noRot="1" noChangeAspect="1"/>
           </p:cNvSpPr>
@@ -3362,7 +3617,7 @@
       </p:sp>
       <p:sp>
         <p:nvSpPr>
-          <p:cNvPr id="100" name="Google Shape;100;g3e99a56fbf_0_99:notes"/>
+          <p:cNvPr id="86" name="Google Shape;86;g3e99a56fbf_0_64:notes"/>
           <p:cNvSpPr txBox="1">
             <a:spLocks noGrp="1"/>
           </p:cNvSpPr>
@@ -3411,7 +3666,7 @@
   <p:cSld>
     <p:spTree>
       <p:nvGrpSpPr>
-        <p:cNvPr id="1" name="Shape 103"/>
+        <p:cNvPr id="1" name="Shape 91"/>
         <p:cNvGrpSpPr/>
         <p:nvPr/>
       </p:nvGrpSpPr>
@@ -3425,7 +3680,7 @@
       </p:grpSpPr>
       <p:sp>
         <p:nvSpPr>
-          <p:cNvPr id="104" name="Google Shape;104;g3e99a56fbf_0_19:notes"/>
+          <p:cNvPr id="92" name="Google Shape;92;g3e99a56fbf_0_91:notes"/>
           <p:cNvSpPr>
             <a:spLocks noGrp="1" noRot="1" noChangeAspect="1"/>
           </p:cNvSpPr>
@@ -3466,7 +3721,7 @@
       </p:sp>
       <p:sp>
         <p:nvSpPr>
-          <p:cNvPr id="105" name="Google Shape;105;g3e99a56fbf_0_19:notes"/>
+          <p:cNvPr id="93" name="Google Shape;93;g3e99a56fbf_0_91:notes"/>
           <p:cNvSpPr txBox="1">
             <a:spLocks noGrp="1"/>
           </p:cNvSpPr>
@@ -7914,6 +8169,317 @@
   <p:cSld>
     <p:spTree>
       <p:nvGrpSpPr>
+        <p:cNvPr id="1" name="Shape 101"/>
+        <p:cNvGrpSpPr/>
+        <p:nvPr/>
+      </p:nvGrpSpPr>
+      <p:grpSpPr>
+        <a:xfrm>
+          <a:off x="0" y="0"/>
+          <a:ext cx="0" cy="0"/>
+          <a:chOff x="0" y="0"/>
+          <a:chExt cx="0" cy="0"/>
+        </a:xfrm>
+      </p:grpSpPr>
+      <p:sp>
+        <p:nvSpPr>
+          <p:cNvPr id="102" name="Google Shape;102;p20"/>
+          <p:cNvSpPr txBox="1">
+            <a:spLocks noGrp="1"/>
+          </p:cNvSpPr>
+          <p:nvPr>
+            <p:ph type="body" idx="1"/>
+          </p:nvPr>
+        </p:nvSpPr>
+        <p:spPr>
+          <a:prstGeom prst="rect">
+            <a:avLst/>
+          </a:prstGeom>
+        </p:spPr>
+        <p:txBody>
+          <a:bodyPr spcFirstLastPara="1" wrap="square" lIns="91425" tIns="91425" rIns="91425" bIns="91425" anchor="ctr" anchorCtr="0">
+            <a:noAutofit/>
+          </a:bodyPr>
+          <a:lstStyle/>
+          <a:p>
+            <a:pPr marL="0" lvl="0" indent="0" algn="ctr" rtl="0">
+              <a:spcBef>
+                <a:spcPts val="0"/>
+              </a:spcBef>
+              <a:spcAft>
+                <a:spcPts val="1600"/>
+              </a:spcAft>
+              <a:buNone/>
+            </a:pPr>
+            <a:r>
+              <a:rPr lang="es" sz="3000" dirty="0"/>
+              <a:t>TEMAS DEL CURSO</a:t>
+            </a:r>
+          </a:p>
+          <a:p>
+            <a:pPr marL="0" lvl="0" indent="0" algn="ctr" rtl="0">
+              <a:spcBef>
+                <a:spcPts val="0"/>
+              </a:spcBef>
+              <a:spcAft>
+                <a:spcPts val="1600"/>
+              </a:spcAft>
+              <a:buNone/>
+            </a:pPr>
+            <a:r>
+              <a:rPr lang="es" sz="1800" dirty="0"/>
+              <a:t>UNIDADES</a:t>
+            </a:r>
+            <a:endParaRPr sz="1800" dirty="0"/>
+          </a:p>
+        </p:txBody>
+      </p:sp>
+    </p:spTree>
+  </p:cSld>
+  <p:clrMapOvr>
+    <a:masterClrMapping/>
+  </p:clrMapOvr>
+</p:sld>
+</file>
+
+<file path=ppt/slides/slide11.xml><?xml version="1.0" encoding="utf-8"?>
+<p:sld xmlns:a="http://schemas.openxmlformats.org/drawingml/2006/main" xmlns:r="http://schemas.openxmlformats.org/officeDocument/2006/relationships" xmlns:p="http://schemas.openxmlformats.org/presentationml/2006/main">
+  <p:cSld>
+    <p:spTree>
+      <p:nvGrpSpPr>
+        <p:cNvPr id="1" name="Shape 106"/>
+        <p:cNvGrpSpPr/>
+        <p:nvPr/>
+      </p:nvGrpSpPr>
+      <p:grpSpPr>
+        <a:xfrm>
+          <a:off x="0" y="0"/>
+          <a:ext cx="0" cy="0"/>
+          <a:chOff x="0" y="0"/>
+          <a:chExt cx="0" cy="0"/>
+        </a:xfrm>
+      </p:grpSpPr>
+      <p:sp>
+        <p:nvSpPr>
+          <p:cNvPr id="107" name="Google Shape;107;p21"/>
+          <p:cNvSpPr txBox="1">
+            <a:spLocks noGrp="1"/>
+          </p:cNvSpPr>
+          <p:nvPr>
+            <p:ph type="title"/>
+          </p:nvPr>
+        </p:nvSpPr>
+        <p:spPr>
+          <a:prstGeom prst="rect">
+            <a:avLst/>
+          </a:prstGeom>
+        </p:spPr>
+        <p:txBody>
+          <a:bodyPr spcFirstLastPara="1" wrap="square" lIns="91425" tIns="91425" rIns="91425" bIns="91425" anchor="t" anchorCtr="0">
+            <a:noAutofit/>
+          </a:bodyPr>
+          <a:lstStyle/>
+          <a:p>
+            <a:pPr marL="0" lvl="0" indent="0" algn="l" rtl="0">
+              <a:spcBef>
+                <a:spcPts val="0"/>
+              </a:spcBef>
+              <a:spcAft>
+                <a:spcPts val="0"/>
+              </a:spcAft>
+              <a:buNone/>
+            </a:pPr>
+            <a:r>
+              <a:rPr lang="es" dirty="0">
+                <a:solidFill>
+                  <a:schemeClr val="tx1"/>
+                </a:solidFill>
+              </a:rPr>
+              <a:t>COMPUTACIÓN FÍSICA</a:t>
+            </a:r>
+            <a:endParaRPr dirty="0">
+              <a:solidFill>
+                <a:schemeClr val="tx1"/>
+              </a:solidFill>
+            </a:endParaRPr>
+          </a:p>
+        </p:txBody>
+      </p:sp>
+      <p:sp>
+        <p:nvSpPr>
+          <p:cNvPr id="108" name="Google Shape;108;p21"/>
+          <p:cNvSpPr txBox="1">
+            <a:spLocks noGrp="1"/>
+          </p:cNvSpPr>
+          <p:nvPr>
+            <p:ph type="body" idx="1"/>
+          </p:nvPr>
+        </p:nvSpPr>
+        <p:spPr>
+          <a:prstGeom prst="rect">
+            <a:avLst/>
+          </a:prstGeom>
+        </p:spPr>
+        <p:txBody>
+          <a:bodyPr spcFirstLastPara="1" wrap="square" lIns="91425" tIns="91425" rIns="91425" bIns="91425" anchor="t" anchorCtr="0">
+            <a:noAutofit/>
+          </a:bodyPr>
+          <a:lstStyle/>
+          <a:p>
+            <a:pPr marL="0" lvl="0" indent="0" algn="l" rtl="0">
+              <a:spcBef>
+                <a:spcPts val="0"/>
+              </a:spcBef>
+              <a:spcAft>
+                <a:spcPts val="1600"/>
+              </a:spcAft>
+              <a:buNone/>
+            </a:pPr>
+            <a:r>
+              <a:rPr lang="es"/>
+              <a:t>UNIDAD 1 </a:t>
+            </a:r>
+            <a:endParaRPr/>
+          </a:p>
+        </p:txBody>
+      </p:sp>
+      <p:pic>
+        <p:nvPicPr>
+          <p:cNvPr id="109" name="Google Shape;109;p21"/>
+          <p:cNvPicPr preferRelativeResize="0"/>
+          <p:nvPr/>
+        </p:nvPicPr>
+        <p:blipFill>
+          <a:blip r:embed="rId3">
+            <a:alphaModFix/>
+          </a:blip>
+          <a:stretch>
+            <a:fillRect/>
+          </a:stretch>
+        </p:blipFill>
+        <p:spPr>
+          <a:xfrm>
+            <a:off x="2498000" y="1152475"/>
+            <a:ext cx="3782350" cy="3782350"/>
+          </a:xfrm>
+          <a:prstGeom prst="rect">
+            <a:avLst/>
+          </a:prstGeom>
+          <a:noFill/>
+          <a:ln>
+            <a:noFill/>
+          </a:ln>
+        </p:spPr>
+      </p:pic>
+      <p:sp>
+        <p:nvSpPr>
+          <p:cNvPr id="110" name="Google Shape;110;p21"/>
+          <p:cNvSpPr txBox="1"/>
+          <p:nvPr/>
+        </p:nvSpPr>
+        <p:spPr>
+          <a:xfrm>
+            <a:off x="5203750" y="4360550"/>
+            <a:ext cx="1132200" cy="855300"/>
+          </a:xfrm>
+          <a:prstGeom prst="rect">
+            <a:avLst/>
+          </a:prstGeom>
+          <a:noFill/>
+          <a:ln>
+            <a:noFill/>
+          </a:ln>
+        </p:spPr>
+        <p:txBody>
+          <a:bodyPr spcFirstLastPara="1" wrap="square" lIns="91425" tIns="91425" rIns="91425" bIns="91425" anchor="t" anchorCtr="0">
+            <a:noAutofit/>
+          </a:bodyPr>
+          <a:lstStyle/>
+          <a:p>
+            <a:pPr marL="0" lvl="0" indent="0" algn="l" rtl="0">
+              <a:spcBef>
+                <a:spcPts val="0"/>
+              </a:spcBef>
+              <a:spcAft>
+                <a:spcPts val="0"/>
+              </a:spcAft>
+              <a:buNone/>
+            </a:pPr>
+            <a:r>
+              <a:rPr lang="es" b="1"/>
+              <a:t>ARDUINO</a:t>
+            </a:r>
+            <a:endParaRPr b="1"/>
+          </a:p>
+        </p:txBody>
+      </p:sp>
+      <p:pic>
+        <p:nvPicPr>
+          <p:cNvPr id="6" name="Picture 6" descr="Resultado de imagen de icesi logo blanco&quot;">
+            <a:extLst>
+              <a:ext uri="{FF2B5EF4-FFF2-40B4-BE49-F238E27FC236}">
+                <a16:creationId xmlns:a16="http://schemas.microsoft.com/office/drawing/2014/main" id="{740CC871-45EE-4941-9AB2-1B8C00799C6C}"/>
+              </a:ext>
+            </a:extLst>
+          </p:cNvPr>
+          <p:cNvPicPr>
+            <a:picLocks noChangeAspect="1" noChangeArrowheads="1"/>
+          </p:cNvPicPr>
+          <p:nvPr/>
+        </p:nvPicPr>
+        <p:blipFill>
+          <a:blip r:embed="rId4">
+            <a:duotone>
+              <a:prstClr val="black"/>
+              <a:schemeClr val="accent6">
+                <a:tint val="45000"/>
+                <a:satMod val="400000"/>
+              </a:schemeClr>
+            </a:duotone>
+            <a:extLst>
+              <a:ext uri="{28A0092B-C50C-407E-A947-70E740481C1C}">
+                <a14:useLocalDpi xmlns:a14="http://schemas.microsoft.com/office/drawing/2010/main" val="0"/>
+              </a:ext>
+            </a:extLst>
+          </a:blip>
+          <a:srcRect/>
+          <a:stretch>
+            <a:fillRect/>
+          </a:stretch>
+        </p:blipFill>
+        <p:spPr bwMode="auto">
+          <a:xfrm>
+            <a:off x="7310086" y="538411"/>
+            <a:ext cx="1522214" cy="479314"/>
+          </a:xfrm>
+          <a:prstGeom prst="rect">
+            <a:avLst/>
+          </a:prstGeom>
+          <a:noFill/>
+          <a:extLst>
+            <a:ext uri="{909E8E84-426E-40DD-AFC4-6F175D3DCCD1}">
+              <a14:hiddenFill xmlns:a14="http://schemas.microsoft.com/office/drawing/2010/main">
+                <a:solidFill>
+                  <a:srgbClr val="FFFFFF"/>
+                </a:solidFill>
+              </a14:hiddenFill>
+            </a:ext>
+          </a:extLst>
+        </p:spPr>
+      </p:pic>
+    </p:spTree>
+  </p:cSld>
+  <p:clrMapOvr>
+    <a:masterClrMapping/>
+  </p:clrMapOvr>
+</p:sld>
+</file>
+
+<file path=ppt/slides/slide12.xml><?xml version="1.0" encoding="utf-8"?>
+<p:sld xmlns:a="http://schemas.openxmlformats.org/drawingml/2006/main" xmlns:r="http://schemas.openxmlformats.org/officeDocument/2006/relationships" xmlns:p="http://schemas.openxmlformats.org/presentationml/2006/main">
+  <p:cSld>
+    <p:spTree>
+      <p:nvGrpSpPr>
         <p:cNvPr id="1" name="Shape 114"/>
         <p:cNvGrpSpPr/>
         <p:nvPr/>
@@ -8142,7 +8708,7 @@
 </p:sld>
 </file>
 
-<file path=ppt/slides/slide11.xml><?xml version="1.0" encoding="utf-8"?>
+<file path=ppt/slides/slide13.xml><?xml version="1.0" encoding="utf-8"?>
 <p:sld xmlns:a="http://schemas.openxmlformats.org/drawingml/2006/main" xmlns:r="http://schemas.openxmlformats.org/officeDocument/2006/relationships" xmlns:p="http://schemas.openxmlformats.org/presentationml/2006/main">
   <p:cSld>
     <p:spTree>
@@ -8374,7 +8940,7 @@
 </p:sld>
 </file>
 
-<file path=ppt/slides/slide12.xml><?xml version="1.0" encoding="utf-8"?>
+<file path=ppt/slides/slide14.xml><?xml version="1.0" encoding="utf-8"?>
 <p:sld xmlns:a="http://schemas.openxmlformats.org/drawingml/2006/main" xmlns:r="http://schemas.openxmlformats.org/officeDocument/2006/relationships" xmlns:p="http://schemas.openxmlformats.org/presentationml/2006/main">
   <p:cSld>
     <p:spTree>
@@ -8606,7 +9172,7 @@
 </p:sld>
 </file>
 
-<file path=ppt/slides/slide13.xml><?xml version="1.0" encoding="utf-8"?>
+<file path=ppt/slides/slide15.xml><?xml version="1.0" encoding="utf-8"?>
 <p:sld xmlns:a="http://schemas.openxmlformats.org/drawingml/2006/main" xmlns:r="http://schemas.openxmlformats.org/officeDocument/2006/relationships" xmlns:p="http://schemas.openxmlformats.org/presentationml/2006/main">
   <p:cSld>
     <p:spTree>
@@ -8800,7 +9366,7 @@
 </p:sld>
 </file>
 
-<file path=ppt/slides/slide14.xml><?xml version="1.0" encoding="utf-8"?>
+<file path=ppt/slides/slide16.xml><?xml version="1.0" encoding="utf-8"?>
 <p:sld xmlns:a="http://schemas.openxmlformats.org/drawingml/2006/main" xmlns:r="http://schemas.openxmlformats.org/officeDocument/2006/relationships" xmlns:p="http://schemas.openxmlformats.org/presentationml/2006/main">
   <p:cSld>
     <p:spTree>
@@ -8883,7 +9449,7 @@
 </p:sld>
 </file>
 
-<file path=ppt/slides/slide15.xml><?xml version="1.0" encoding="utf-8"?>
+<file path=ppt/slides/slide17.xml><?xml version="1.0" encoding="utf-8"?>
 <p:sld xmlns:a="http://schemas.openxmlformats.org/drawingml/2006/main" xmlns:r="http://schemas.openxmlformats.org/officeDocument/2006/relationships" xmlns:p="http://schemas.openxmlformats.org/presentationml/2006/main">
   <p:cSld>
     <p:spTree>
@@ -9502,6 +10068,352 @@
   <p:cSld>
     <p:spTree>
       <p:nvGrpSpPr>
+        <p:cNvPr id="1" name="Shape 59"/>
+        <p:cNvGrpSpPr/>
+        <p:nvPr/>
+      </p:nvGrpSpPr>
+      <p:grpSpPr>
+        <a:xfrm>
+          <a:off x="0" y="0"/>
+          <a:ext cx="0" cy="0"/>
+          <a:chOff x="0" y="0"/>
+          <a:chExt cx="0" cy="0"/>
+        </a:xfrm>
+      </p:grpSpPr>
+      <p:pic>
+        <p:nvPicPr>
+          <p:cNvPr id="5" name="Picture 6" descr="Resultado de imagen de icesi logo blanco&quot;">
+            <a:extLst>
+              <a:ext uri="{FF2B5EF4-FFF2-40B4-BE49-F238E27FC236}">
+                <a16:creationId xmlns:a16="http://schemas.microsoft.com/office/drawing/2014/main" id="{632ED96E-325B-7744-AC70-DC2989E75695}"/>
+              </a:ext>
+            </a:extLst>
+          </p:cNvPr>
+          <p:cNvPicPr>
+            <a:picLocks noChangeAspect="1" noChangeArrowheads="1"/>
+          </p:cNvPicPr>
+          <p:nvPr/>
+        </p:nvPicPr>
+        <p:blipFill>
+          <a:blip r:embed="rId3">
+            <a:duotone>
+              <a:prstClr val="black"/>
+              <a:schemeClr val="accent6">
+                <a:tint val="45000"/>
+                <a:satMod val="400000"/>
+              </a:schemeClr>
+            </a:duotone>
+            <a:extLst>
+              <a:ext uri="{28A0092B-C50C-407E-A947-70E740481C1C}">
+                <a14:useLocalDpi xmlns:a14="http://schemas.microsoft.com/office/drawing/2010/main" val="0"/>
+              </a:ext>
+            </a:extLst>
+          </a:blip>
+          <a:srcRect/>
+          <a:stretch>
+            <a:fillRect/>
+          </a:stretch>
+        </p:blipFill>
+        <p:spPr bwMode="auto">
+          <a:xfrm>
+            <a:off x="7310086" y="538411"/>
+            <a:ext cx="1522214" cy="479314"/>
+          </a:xfrm>
+          <a:prstGeom prst="rect">
+            <a:avLst/>
+          </a:prstGeom>
+          <a:noFill/>
+          <a:extLst>
+            <a:ext uri="{909E8E84-426E-40DD-AFC4-6F175D3DCCD1}">
+              <a14:hiddenFill xmlns:a14="http://schemas.microsoft.com/office/drawing/2010/main">
+                <a:solidFill>
+                  <a:srgbClr val="FFFFFF"/>
+                </a:solidFill>
+              </a14:hiddenFill>
+            </a:ext>
+          </a:extLst>
+        </p:spPr>
+      </p:pic>
+      <p:sp>
+        <p:nvSpPr>
+          <p:cNvPr id="9" name="Title 1">
+            <a:extLst>
+              <a:ext uri="{FF2B5EF4-FFF2-40B4-BE49-F238E27FC236}">
+                <a16:creationId xmlns:a16="http://schemas.microsoft.com/office/drawing/2014/main" id="{F9E09A6A-9F37-6745-8EA8-E3B133574AC3}"/>
+              </a:ext>
+            </a:extLst>
+          </p:cNvPr>
+          <p:cNvSpPr>
+            <a:spLocks noGrp="1"/>
+          </p:cNvSpPr>
+          <p:nvPr>
+            <p:ph type="title"/>
+          </p:nvPr>
+        </p:nvSpPr>
+        <p:spPr>
+          <a:xfrm>
+            <a:off x="311700" y="445025"/>
+            <a:ext cx="8520600" cy="572700"/>
+          </a:xfrm>
+        </p:spPr>
+        <p:txBody>
+          <a:bodyPr/>
+          <a:lstStyle/>
+          <a:p>
+            <a:r>
+              <a:rPr lang="en-US" dirty="0">
+                <a:solidFill>
+                  <a:schemeClr val="tx1"/>
+                </a:solidFill>
+              </a:rPr>
+              <a:t>CONEXIONES LOCALES</a:t>
+            </a:r>
+          </a:p>
+        </p:txBody>
+      </p:sp>
+      <p:pic>
+        <p:nvPicPr>
+          <p:cNvPr id="1028" name="Picture 4" descr="Resultado de imagen para usb arduino pc conectado">
+            <a:extLst>
+              <a:ext uri="{FF2B5EF4-FFF2-40B4-BE49-F238E27FC236}">
+                <a16:creationId xmlns:a16="http://schemas.microsoft.com/office/drawing/2014/main" id="{4932CC08-C7BB-3C47-AAE0-BAF8E773091B}"/>
+              </a:ext>
+            </a:extLst>
+          </p:cNvPr>
+          <p:cNvPicPr>
+            <a:picLocks noChangeAspect="1" noChangeArrowheads="1"/>
+          </p:cNvPicPr>
+          <p:nvPr/>
+        </p:nvPicPr>
+        <p:blipFill>
+          <a:blip r:embed="rId4">
+            <a:extLst>
+              <a:ext uri="{28A0092B-C50C-407E-A947-70E740481C1C}">
+                <a14:useLocalDpi xmlns:a14="http://schemas.microsoft.com/office/drawing/2010/main" val="0"/>
+              </a:ext>
+            </a:extLst>
+          </a:blip>
+          <a:srcRect/>
+          <a:stretch>
+            <a:fillRect/>
+          </a:stretch>
+        </p:blipFill>
+        <p:spPr bwMode="auto">
+          <a:xfrm>
+            <a:off x="1974850" y="1399690"/>
+            <a:ext cx="5194300" cy="3459991"/>
+          </a:xfrm>
+          <a:prstGeom prst="rect">
+            <a:avLst/>
+          </a:prstGeom>
+          <a:noFill/>
+          <a:ln>
+            <a:solidFill>
+              <a:schemeClr val="tx1"/>
+            </a:solidFill>
+          </a:ln>
+          <a:extLst>
+            <a:ext uri="{909E8E84-426E-40DD-AFC4-6F175D3DCCD1}">
+              <a14:hiddenFill xmlns:a14="http://schemas.microsoft.com/office/drawing/2010/main">
+                <a:solidFill>
+                  <a:srgbClr val="FFFFFF"/>
+                </a:solidFill>
+              </a14:hiddenFill>
+            </a:ext>
+          </a:extLst>
+        </p:spPr>
+      </p:pic>
+    </p:spTree>
+    <p:extLst>
+      <p:ext uri="{BB962C8B-B14F-4D97-AF65-F5344CB8AC3E}">
+        <p14:creationId xmlns:p14="http://schemas.microsoft.com/office/powerpoint/2010/main" val="592502733"/>
+      </p:ext>
+    </p:extLst>
+  </p:cSld>
+  <p:clrMapOvr>
+    <a:masterClrMapping/>
+  </p:clrMapOvr>
+</p:sld>
+</file>
+
+<file path=ppt/slides/slide4.xml><?xml version="1.0" encoding="utf-8"?>
+<p:sld xmlns:a="http://schemas.openxmlformats.org/drawingml/2006/main" xmlns:r="http://schemas.openxmlformats.org/officeDocument/2006/relationships" xmlns:p="http://schemas.openxmlformats.org/presentationml/2006/main">
+  <p:cSld>
+    <p:spTree>
+      <p:nvGrpSpPr>
+        <p:cNvPr id="1" name="Shape 59"/>
+        <p:cNvGrpSpPr/>
+        <p:nvPr/>
+      </p:nvGrpSpPr>
+      <p:grpSpPr>
+        <a:xfrm>
+          <a:off x="0" y="0"/>
+          <a:ext cx="0" cy="0"/>
+          <a:chOff x="0" y="0"/>
+          <a:chExt cx="0" cy="0"/>
+        </a:xfrm>
+      </p:grpSpPr>
+      <p:pic>
+        <p:nvPicPr>
+          <p:cNvPr id="5" name="Picture 6" descr="Resultado de imagen de icesi logo blanco&quot;">
+            <a:extLst>
+              <a:ext uri="{FF2B5EF4-FFF2-40B4-BE49-F238E27FC236}">
+                <a16:creationId xmlns:a16="http://schemas.microsoft.com/office/drawing/2014/main" id="{632ED96E-325B-7744-AC70-DC2989E75695}"/>
+              </a:ext>
+            </a:extLst>
+          </p:cNvPr>
+          <p:cNvPicPr>
+            <a:picLocks noChangeAspect="1" noChangeArrowheads="1"/>
+          </p:cNvPicPr>
+          <p:nvPr/>
+        </p:nvPicPr>
+        <p:blipFill>
+          <a:blip r:embed="rId3">
+            <a:duotone>
+              <a:prstClr val="black"/>
+              <a:schemeClr val="accent6">
+                <a:tint val="45000"/>
+                <a:satMod val="400000"/>
+              </a:schemeClr>
+            </a:duotone>
+            <a:extLst>
+              <a:ext uri="{28A0092B-C50C-407E-A947-70E740481C1C}">
+                <a14:useLocalDpi xmlns:a14="http://schemas.microsoft.com/office/drawing/2010/main" val="0"/>
+              </a:ext>
+            </a:extLst>
+          </a:blip>
+          <a:srcRect/>
+          <a:stretch>
+            <a:fillRect/>
+          </a:stretch>
+        </p:blipFill>
+        <p:spPr bwMode="auto">
+          <a:xfrm>
+            <a:off x="7310086" y="538411"/>
+            <a:ext cx="1522214" cy="479314"/>
+          </a:xfrm>
+          <a:prstGeom prst="rect">
+            <a:avLst/>
+          </a:prstGeom>
+          <a:noFill/>
+          <a:extLst>
+            <a:ext uri="{909E8E84-426E-40DD-AFC4-6F175D3DCCD1}">
+              <a14:hiddenFill xmlns:a14="http://schemas.microsoft.com/office/drawing/2010/main">
+                <a:solidFill>
+                  <a:srgbClr val="FFFFFF"/>
+                </a:solidFill>
+              </a14:hiddenFill>
+            </a:ext>
+          </a:extLst>
+        </p:spPr>
+      </p:pic>
+      <p:sp>
+        <p:nvSpPr>
+          <p:cNvPr id="9" name="Title 1">
+            <a:extLst>
+              <a:ext uri="{FF2B5EF4-FFF2-40B4-BE49-F238E27FC236}">
+                <a16:creationId xmlns:a16="http://schemas.microsoft.com/office/drawing/2014/main" id="{F9E09A6A-9F37-6745-8EA8-E3B133574AC3}"/>
+              </a:ext>
+            </a:extLst>
+          </p:cNvPr>
+          <p:cNvSpPr>
+            <a:spLocks noGrp="1"/>
+          </p:cNvSpPr>
+          <p:nvPr>
+            <p:ph type="title"/>
+          </p:nvPr>
+        </p:nvSpPr>
+        <p:spPr>
+          <a:xfrm>
+            <a:off x="311700" y="445025"/>
+            <a:ext cx="8520600" cy="572700"/>
+          </a:xfrm>
+        </p:spPr>
+        <p:txBody>
+          <a:bodyPr/>
+          <a:lstStyle/>
+          <a:p>
+            <a:r>
+              <a:rPr lang="en-US" dirty="0">
+                <a:solidFill>
+                  <a:schemeClr val="tx1"/>
+                </a:solidFill>
+              </a:rPr>
+              <a:t>CONEXIONES INTERNACIONALES</a:t>
+            </a:r>
+          </a:p>
+        </p:txBody>
+      </p:sp>
+      <p:pic>
+        <p:nvPicPr>
+          <p:cNvPr id="1026" name="Picture 2" descr="Resultado de imagen para backbone internet">
+            <a:extLst>
+              <a:ext uri="{FF2B5EF4-FFF2-40B4-BE49-F238E27FC236}">
+                <a16:creationId xmlns:a16="http://schemas.microsoft.com/office/drawing/2014/main" id="{62416C76-C562-634E-9687-7A4C746EA67D}"/>
+              </a:ext>
+            </a:extLst>
+          </p:cNvPr>
+          <p:cNvPicPr>
+            <a:picLocks noChangeAspect="1" noChangeArrowheads="1"/>
+          </p:cNvPicPr>
+          <p:nvPr/>
+        </p:nvPicPr>
+        <p:blipFill>
+          <a:blip r:embed="rId4">
+            <a:extLst>
+              <a:ext uri="{28A0092B-C50C-407E-A947-70E740481C1C}">
+                <a14:useLocalDpi xmlns:a14="http://schemas.microsoft.com/office/drawing/2010/main" val="0"/>
+              </a:ext>
+            </a:extLst>
+          </a:blip>
+          <a:srcRect/>
+          <a:stretch>
+            <a:fillRect/>
+          </a:stretch>
+        </p:blipFill>
+        <p:spPr bwMode="auto">
+          <a:xfrm>
+            <a:off x="1470991" y="1295909"/>
+            <a:ext cx="6198152" cy="3562393"/>
+          </a:xfrm>
+          <a:prstGeom prst="rect">
+            <a:avLst/>
+          </a:prstGeom>
+          <a:noFill/>
+          <a:ln>
+            <a:solidFill>
+              <a:schemeClr val="tx1"/>
+            </a:solidFill>
+          </a:ln>
+          <a:extLst>
+            <a:ext uri="{909E8E84-426E-40DD-AFC4-6F175D3DCCD1}">
+              <a14:hiddenFill xmlns:a14="http://schemas.microsoft.com/office/drawing/2010/main">
+                <a:solidFill>
+                  <a:srgbClr val="FFFFFF"/>
+                </a:solidFill>
+              </a14:hiddenFill>
+            </a:ext>
+          </a:extLst>
+        </p:spPr>
+      </p:pic>
+    </p:spTree>
+    <p:extLst>
+      <p:ext uri="{BB962C8B-B14F-4D97-AF65-F5344CB8AC3E}">
+        <p14:creationId xmlns:p14="http://schemas.microsoft.com/office/powerpoint/2010/main" val="866498293"/>
+      </p:ext>
+    </p:extLst>
+  </p:cSld>
+  <p:clrMapOvr>
+    <a:masterClrMapping/>
+  </p:clrMapOvr>
+</p:sld>
+</file>
+
+<file path=ppt/slides/slide5.xml><?xml version="1.0" encoding="utf-8"?>
+<p:sld xmlns:a="http://schemas.openxmlformats.org/drawingml/2006/main" xmlns:r="http://schemas.openxmlformats.org/officeDocument/2006/relationships" xmlns:p="http://schemas.openxmlformats.org/presentationml/2006/main">
+  <p:cSld>
+    <p:spTree>
+      <p:nvGrpSpPr>
         <p:cNvPr id="1" name="Shape 66"/>
         <p:cNvGrpSpPr/>
         <p:nvPr/>
@@ -9575,7 +10487,7 @@
         </p:blipFill>
         <p:spPr>
           <a:xfrm>
-            <a:off x="2686850" y="1680375"/>
+            <a:off x="5062000" y="1849340"/>
             <a:ext cx="3770300" cy="2770500"/>
           </a:xfrm>
           <a:prstGeom prst="rect">
@@ -9641,6 +10553,108 @@
           </a:extLst>
         </p:spPr>
       </p:pic>
+      <p:pic>
+        <p:nvPicPr>
+          <p:cNvPr id="3076" name="Picture 4" descr="Resultado de imagen para Sistema de acceso electronico">
+            <a:extLst>
+              <a:ext uri="{FF2B5EF4-FFF2-40B4-BE49-F238E27FC236}">
+                <a16:creationId xmlns:a16="http://schemas.microsoft.com/office/drawing/2014/main" id="{CE4A1A9A-BF1D-BB4D-9C1B-F791F380DAC9}"/>
+              </a:ext>
+            </a:extLst>
+          </p:cNvPr>
+          <p:cNvPicPr>
+            <a:picLocks noChangeAspect="1" noChangeArrowheads="1"/>
+          </p:cNvPicPr>
+          <p:nvPr/>
+        </p:nvPicPr>
+        <p:blipFill rotWithShape="1">
+          <a:blip r:embed="rId5">
+            <a:extLst>
+              <a:ext uri="{28A0092B-C50C-407E-A947-70E740481C1C}">
+                <a14:useLocalDpi xmlns:a14="http://schemas.microsoft.com/office/drawing/2010/main" val="0"/>
+              </a:ext>
+            </a:extLst>
+          </a:blip>
+          <a:srcRect l="13667" r="13838"/>
+          <a:stretch/>
+        </p:blipFill>
+        <p:spPr bwMode="auto">
+          <a:xfrm>
+            <a:off x="564258" y="2821899"/>
+            <a:ext cx="3573402" cy="2194327"/>
+          </a:xfrm>
+          <a:prstGeom prst="rect">
+            <a:avLst/>
+          </a:prstGeom>
+          <a:noFill/>
+          <a:ln>
+            <a:solidFill>
+              <a:schemeClr val="tx1"/>
+            </a:solidFill>
+          </a:ln>
+          <a:extLst>
+            <a:ext uri="{909E8E84-426E-40DD-AFC4-6F175D3DCCD1}">
+              <a14:hiddenFill xmlns:a14="http://schemas.microsoft.com/office/drawing/2010/main">
+                <a:solidFill>
+                  <a:srgbClr val="FFFFFF"/>
+                </a:solidFill>
+              </a14:hiddenFill>
+            </a:ext>
+          </a:extLst>
+        </p:spPr>
+      </p:pic>
+      <p:pic>
+        <p:nvPicPr>
+          <p:cNvPr id="7" name="Picture 2" descr="Resultado de imagen para Sistema de acceso electronico">
+            <a:extLst>
+              <a:ext uri="{FF2B5EF4-FFF2-40B4-BE49-F238E27FC236}">
+                <a16:creationId xmlns:a16="http://schemas.microsoft.com/office/drawing/2014/main" id="{0FDF3BC5-80AC-4C42-A9F4-54B6C0E2438D}"/>
+              </a:ext>
+            </a:extLst>
+          </p:cNvPr>
+          <p:cNvPicPr>
+            <a:picLocks noChangeAspect="1" noChangeArrowheads="1"/>
+          </p:cNvPicPr>
+          <p:nvPr/>
+        </p:nvPicPr>
+        <p:blipFill>
+          <a:blip r:embed="rId6">
+            <a:extLst>
+              <a:ext uri="{28A0092B-C50C-407E-A947-70E740481C1C}">
+                <a14:useLocalDpi xmlns:a14="http://schemas.microsoft.com/office/drawing/2010/main" val="0"/>
+              </a:ext>
+            </a:extLst>
+          </a:blip>
+          <a:srcRect/>
+          <a:stretch>
+            <a:fillRect/>
+          </a:stretch>
+        </p:blipFill>
+        <p:spPr bwMode="auto">
+          <a:xfrm>
+            <a:off x="564258" y="999018"/>
+            <a:ext cx="2749340" cy="1648690"/>
+          </a:xfrm>
+          <a:prstGeom prst="rect">
+            <a:avLst/>
+          </a:prstGeom>
+          <a:noFill/>
+          <a:ln>
+            <a:solidFill>
+              <a:schemeClr val="tx1"/>
+            </a:solidFill>
+          </a:ln>
+          <a:extLst>
+            <a:ext uri="{909E8E84-426E-40DD-AFC4-6F175D3DCCD1}">
+              <a14:hiddenFill xmlns:a14="http://schemas.microsoft.com/office/drawing/2010/main">
+                <a:solidFill>
+                  <a:srgbClr val="FFFFFF"/>
+                </a:solidFill>
+              </a14:hiddenFill>
+            </a:ext>
+          </a:extLst>
+        </p:spPr>
+      </p:pic>
     </p:spTree>
   </p:cSld>
   <p:clrMapOvr>
@@ -9649,7 +10663,7 @@
 </p:sld>
 </file>
 
-<file path=ppt/slides/slide4.xml><?xml version="1.0" encoding="utf-8"?>
+<file path=ppt/slides/slide6.xml><?xml version="1.0" encoding="utf-8"?>
 <p:sld xmlns:a="http://schemas.openxmlformats.org/drawingml/2006/main" xmlns:r="http://schemas.openxmlformats.org/officeDocument/2006/relationships" xmlns:p="http://schemas.openxmlformats.org/presentationml/2006/main">
   <p:cSld>
     <p:spTree>
@@ -9714,7 +10728,7 @@
         </p:blipFill>
         <p:spPr>
           <a:xfrm>
-            <a:off x="2771023" y="2228275"/>
+            <a:off x="5230349" y="2228275"/>
             <a:ext cx="3601951" cy="1264800"/>
           </a:xfrm>
           <a:prstGeom prst="rect">
@@ -9780,6 +10794,53 @@
           </a:extLst>
         </p:spPr>
       </p:pic>
+      <p:pic>
+        <p:nvPicPr>
+          <p:cNvPr id="4098" name="Picture 2" descr="Resultado de imagen para ps4 gaming">
+            <a:extLst>
+              <a:ext uri="{FF2B5EF4-FFF2-40B4-BE49-F238E27FC236}">
+                <a16:creationId xmlns:a16="http://schemas.microsoft.com/office/drawing/2014/main" id="{4620FF8E-D1E0-1149-8E31-1D34E7791184}"/>
+              </a:ext>
+            </a:extLst>
+          </p:cNvPr>
+          <p:cNvPicPr>
+            <a:picLocks noChangeAspect="1" noChangeArrowheads="1"/>
+          </p:cNvPicPr>
+          <p:nvPr/>
+        </p:nvPicPr>
+        <p:blipFill>
+          <a:blip r:embed="rId5">
+            <a:extLst>
+              <a:ext uri="{28A0092B-C50C-407E-A947-70E740481C1C}">
+                <a14:useLocalDpi xmlns:a14="http://schemas.microsoft.com/office/drawing/2010/main" val="0"/>
+              </a:ext>
+            </a:extLst>
+          </a:blip>
+          <a:srcRect/>
+          <a:stretch>
+            <a:fillRect/>
+          </a:stretch>
+        </p:blipFill>
+        <p:spPr bwMode="auto">
+          <a:xfrm>
+            <a:off x="311700" y="1290782"/>
+            <a:ext cx="4701869" cy="3139786"/>
+          </a:xfrm>
+          <a:prstGeom prst="rect">
+            <a:avLst/>
+          </a:prstGeom>
+          <a:noFill/>
+          <a:extLst>
+            <a:ext uri="{909E8E84-426E-40DD-AFC4-6F175D3DCCD1}">
+              <a14:hiddenFill xmlns:a14="http://schemas.microsoft.com/office/drawing/2010/main">
+                <a:solidFill>
+                  <a:srgbClr val="FFFFFF"/>
+                </a:solidFill>
+              </a14:hiddenFill>
+            </a:ext>
+          </a:extLst>
+        </p:spPr>
+      </p:pic>
     </p:spTree>
   </p:cSld>
   <p:clrMapOvr>
@@ -9788,7 +10849,7 @@
 </p:sld>
 </file>
 
-<file path=ppt/slides/slide5.xml><?xml version="1.0" encoding="utf-8"?>
+<file path=ppt/slides/slide7.xml><?xml version="1.0" encoding="utf-8"?>
 <p:sld xmlns:a="http://schemas.openxmlformats.org/drawingml/2006/main" xmlns:r="http://schemas.openxmlformats.org/officeDocument/2006/relationships" xmlns:p="http://schemas.openxmlformats.org/presentationml/2006/main">
   <p:cSld>
     <p:spTree>
@@ -9853,7 +10914,7 @@
         </p:blipFill>
         <p:spPr>
           <a:xfrm>
-            <a:off x="2571675" y="1774275"/>
+            <a:off x="159300" y="1705001"/>
             <a:ext cx="4000649" cy="2794600"/>
           </a:xfrm>
           <a:prstGeom prst="rect">
@@ -9919,6 +10980,58 @@
           </a:extLst>
         </p:spPr>
       </p:pic>
+      <p:pic>
+        <p:nvPicPr>
+          <p:cNvPr id="5122" name="Picture 2" descr="Resultado de imagen para domotic">
+            <a:extLst>
+              <a:ext uri="{FF2B5EF4-FFF2-40B4-BE49-F238E27FC236}">
+                <a16:creationId xmlns:a16="http://schemas.microsoft.com/office/drawing/2014/main" id="{26E75C6E-A831-254E-976B-A811279706BF}"/>
+              </a:ext>
+            </a:extLst>
+          </p:cNvPr>
+          <p:cNvPicPr>
+            <a:picLocks noChangeAspect="1" noChangeArrowheads="1"/>
+          </p:cNvPicPr>
+          <p:nvPr/>
+        </p:nvPicPr>
+        <p:blipFill>
+          <a:blip r:embed="rId5">
+            <a:extLst>
+              <a:ext uri="{28A0092B-C50C-407E-A947-70E740481C1C}">
+                <a14:useLocalDpi xmlns:a14="http://schemas.microsoft.com/office/drawing/2010/main" val="0"/>
+              </a:ext>
+            </a:extLst>
+          </a:blip>
+          <a:srcRect/>
+          <a:stretch>
+            <a:fillRect/>
+          </a:stretch>
+        </p:blipFill>
+        <p:spPr bwMode="auto">
+          <a:xfrm>
+            <a:off x="4261455" y="1579952"/>
+            <a:ext cx="4570845" cy="3044699"/>
+          </a:xfrm>
+          <a:prstGeom prst="rect">
+            <a:avLst/>
+          </a:prstGeom>
+          <a:noFill/>
+          <a:ln>
+            <a:solidFill>
+              <a:schemeClr val="tx1"/>
+            </a:solidFill>
+          </a:ln>
+          <a:extLst>
+            <a:ext uri="{909E8E84-426E-40DD-AFC4-6F175D3DCCD1}">
+              <a14:hiddenFill xmlns:a14="http://schemas.microsoft.com/office/drawing/2010/main">
+                <a:solidFill>
+                  <a:srgbClr val="FFFFFF"/>
+                </a:solidFill>
+              </a14:hiddenFill>
+            </a:ext>
+          </a:extLst>
+        </p:spPr>
+      </p:pic>
     </p:spTree>
   </p:cSld>
   <p:clrMapOvr>
@@ -9927,7 +11040,7 @@
 </p:sld>
 </file>
 
-<file path=ppt/slides/slide6.xml><?xml version="1.0" encoding="utf-8"?>
+<file path=ppt/slides/slide8.xml><?xml version="1.0" encoding="utf-8"?>
 <p:sld xmlns:a="http://schemas.openxmlformats.org/drawingml/2006/main" xmlns:r="http://schemas.openxmlformats.org/officeDocument/2006/relationships" xmlns:p="http://schemas.openxmlformats.org/presentationml/2006/main">
   <p:cSld>
     <p:spTree>
@@ -9977,40 +11090,6 @@
           </a:p>
         </p:txBody>
       </p:sp>
-      <p:sp>
-        <p:nvSpPr>
-          <p:cNvPr id="89" name="Google Shape;89;p18"/>
-          <p:cNvSpPr txBox="1">
-            <a:spLocks noGrp="1"/>
-          </p:cNvSpPr>
-          <p:nvPr>
-            <p:ph type="body" idx="1"/>
-          </p:nvPr>
-        </p:nvSpPr>
-        <p:spPr>
-          <a:prstGeom prst="rect">
-            <a:avLst/>
-          </a:prstGeom>
-        </p:spPr>
-        <p:txBody>
-          <a:bodyPr spcFirstLastPara="1" wrap="square" lIns="91425" tIns="91425" rIns="91425" bIns="91425" anchor="t" anchorCtr="0">
-            <a:noAutofit/>
-          </a:bodyPr>
-          <a:lstStyle/>
-          <a:p>
-            <a:pPr marL="0" lvl="0" indent="0" algn="l" rtl="0">
-              <a:spcBef>
-                <a:spcPts val="1600"/>
-              </a:spcBef>
-              <a:spcAft>
-                <a:spcPts val="1600"/>
-              </a:spcAft>
-              <a:buNone/>
-            </a:pPr>
-            <a:endParaRPr dirty="0"/>
-          </a:p>
-        </p:txBody>
-      </p:sp>
       <p:pic>
         <p:nvPicPr>
           <p:cNvPr id="90" name="Google Shape;90;p18"/>
@@ -10026,7 +11105,7 @@
         </p:blipFill>
         <p:spPr>
           <a:xfrm>
-            <a:off x="2686862" y="1776600"/>
+            <a:off x="311700" y="1832018"/>
             <a:ext cx="3770276" cy="2367101"/>
           </a:xfrm>
           <a:prstGeom prst="rect">
@@ -10092,6 +11171,58 @@
           </a:extLst>
         </p:spPr>
       </p:pic>
+      <p:pic>
+        <p:nvPicPr>
+          <p:cNvPr id="6146" name="Picture 2" descr="Resultado de imagen para android drone controller">
+            <a:extLst>
+              <a:ext uri="{FF2B5EF4-FFF2-40B4-BE49-F238E27FC236}">
+                <a16:creationId xmlns:a16="http://schemas.microsoft.com/office/drawing/2014/main" id="{6F30D6FB-F6C1-824A-BF9C-12D88CFC846B}"/>
+              </a:ext>
+            </a:extLst>
+          </p:cNvPr>
+          <p:cNvPicPr>
+            <a:picLocks noChangeAspect="1" noChangeArrowheads="1"/>
+          </p:cNvPicPr>
+          <p:nvPr/>
+        </p:nvPicPr>
+        <p:blipFill>
+          <a:blip r:embed="rId5">
+            <a:extLst>
+              <a:ext uri="{28A0092B-C50C-407E-A947-70E740481C1C}">
+                <a14:useLocalDpi xmlns:a14="http://schemas.microsoft.com/office/drawing/2010/main" val="0"/>
+              </a:ext>
+            </a:extLst>
+          </a:blip>
+          <a:srcRect/>
+          <a:stretch>
+            <a:fillRect/>
+          </a:stretch>
+        </p:blipFill>
+        <p:spPr bwMode="auto">
+          <a:xfrm>
+            <a:off x="4701027" y="1357745"/>
+            <a:ext cx="4131273" cy="3421495"/>
+          </a:xfrm>
+          <a:prstGeom prst="rect">
+            <a:avLst/>
+          </a:prstGeom>
+          <a:noFill/>
+          <a:ln>
+            <a:solidFill>
+              <a:schemeClr val="tx1"/>
+            </a:solidFill>
+          </a:ln>
+          <a:extLst>
+            <a:ext uri="{909E8E84-426E-40DD-AFC4-6F175D3DCCD1}">
+              <a14:hiddenFill xmlns:a14="http://schemas.microsoft.com/office/drawing/2010/main">
+                <a:solidFill>
+                  <a:srgbClr val="FFFFFF"/>
+                </a:solidFill>
+              </a14:hiddenFill>
+            </a:ext>
+          </a:extLst>
+        </p:spPr>
+      </p:pic>
     </p:spTree>
   </p:cSld>
   <p:clrMapOvr>
@@ -10100,7 +11231,7 @@
 </p:sld>
 </file>
 
-<file path=ppt/slides/slide7.xml><?xml version="1.0" encoding="utf-8"?>
+<file path=ppt/slides/slide9.xml><?xml version="1.0" encoding="utf-8"?>
 <p:sld xmlns:a="http://schemas.openxmlformats.org/drawingml/2006/main" xmlns:r="http://schemas.openxmlformats.org/officeDocument/2006/relationships" xmlns:p="http://schemas.openxmlformats.org/presentationml/2006/main">
   <p:cSld>
     <p:spTree>
@@ -10165,7 +11296,7 @@
         </p:blipFill>
         <p:spPr>
           <a:xfrm>
-            <a:off x="3335554" y="1729513"/>
+            <a:off x="311700" y="1757223"/>
             <a:ext cx="2472904" cy="2744125"/>
           </a:xfrm>
           <a:prstGeom prst="rect">
@@ -10231,269 +11362,12 @@
           </a:extLst>
         </p:spPr>
       </p:pic>
-    </p:spTree>
-  </p:cSld>
-  <p:clrMapOvr>
-    <a:masterClrMapping/>
-  </p:clrMapOvr>
-</p:sld>
-</file>
-
-<file path=ppt/slides/slide8.xml><?xml version="1.0" encoding="utf-8"?>
-<p:sld xmlns:a="http://schemas.openxmlformats.org/drawingml/2006/main" xmlns:r="http://schemas.openxmlformats.org/officeDocument/2006/relationships" xmlns:p="http://schemas.openxmlformats.org/presentationml/2006/main">
-  <p:cSld>
-    <p:spTree>
-      <p:nvGrpSpPr>
-        <p:cNvPr id="1" name="Shape 101"/>
-        <p:cNvGrpSpPr/>
-        <p:nvPr/>
-      </p:nvGrpSpPr>
-      <p:grpSpPr>
-        <a:xfrm>
-          <a:off x="0" y="0"/>
-          <a:ext cx="0" cy="0"/>
-          <a:chOff x="0" y="0"/>
-          <a:chExt cx="0" cy="0"/>
-        </a:xfrm>
-      </p:grpSpPr>
-      <p:sp>
-        <p:nvSpPr>
-          <p:cNvPr id="102" name="Google Shape;102;p20"/>
-          <p:cNvSpPr txBox="1">
-            <a:spLocks noGrp="1"/>
-          </p:cNvSpPr>
-          <p:nvPr>
-            <p:ph type="body" idx="1"/>
-          </p:nvPr>
-        </p:nvSpPr>
-        <p:spPr>
-          <a:prstGeom prst="rect">
-            <a:avLst/>
-          </a:prstGeom>
-        </p:spPr>
-        <p:txBody>
-          <a:bodyPr spcFirstLastPara="1" wrap="square" lIns="91425" tIns="91425" rIns="91425" bIns="91425" anchor="ctr" anchorCtr="0">
-            <a:noAutofit/>
-          </a:bodyPr>
-          <a:lstStyle/>
-          <a:p>
-            <a:pPr marL="0" lvl="0" indent="0" algn="ctr" rtl="0">
-              <a:spcBef>
-                <a:spcPts val="0"/>
-              </a:spcBef>
-              <a:spcAft>
-                <a:spcPts val="1600"/>
-              </a:spcAft>
-              <a:buNone/>
-            </a:pPr>
-            <a:r>
-              <a:rPr lang="es" sz="3000" dirty="0"/>
-              <a:t>TEMAS DEL CURSO</a:t>
-            </a:r>
-          </a:p>
-          <a:p>
-            <a:pPr marL="0" lvl="0" indent="0" algn="ctr" rtl="0">
-              <a:spcBef>
-                <a:spcPts val="0"/>
-              </a:spcBef>
-              <a:spcAft>
-                <a:spcPts val="1600"/>
-              </a:spcAft>
-              <a:buNone/>
-            </a:pPr>
-            <a:r>
-              <a:rPr lang="es" sz="1800" dirty="0"/>
-              <a:t>UNIDADES</a:t>
-            </a:r>
-            <a:endParaRPr sz="1800" dirty="0"/>
-          </a:p>
-        </p:txBody>
-      </p:sp>
-    </p:spTree>
-  </p:cSld>
-  <p:clrMapOvr>
-    <a:masterClrMapping/>
-  </p:clrMapOvr>
-</p:sld>
-</file>
-
-<file path=ppt/slides/slide9.xml><?xml version="1.0" encoding="utf-8"?>
-<p:sld xmlns:a="http://schemas.openxmlformats.org/drawingml/2006/main" xmlns:r="http://schemas.openxmlformats.org/officeDocument/2006/relationships" xmlns:p="http://schemas.openxmlformats.org/presentationml/2006/main">
-  <p:cSld>
-    <p:spTree>
-      <p:nvGrpSpPr>
-        <p:cNvPr id="1" name="Shape 106"/>
-        <p:cNvGrpSpPr/>
-        <p:nvPr/>
-      </p:nvGrpSpPr>
-      <p:grpSpPr>
-        <a:xfrm>
-          <a:off x="0" y="0"/>
-          <a:ext cx="0" cy="0"/>
-          <a:chOff x="0" y="0"/>
-          <a:chExt cx="0" cy="0"/>
-        </a:xfrm>
-      </p:grpSpPr>
-      <p:sp>
-        <p:nvSpPr>
-          <p:cNvPr id="107" name="Google Shape;107;p21"/>
-          <p:cNvSpPr txBox="1">
-            <a:spLocks noGrp="1"/>
-          </p:cNvSpPr>
-          <p:nvPr>
-            <p:ph type="title"/>
-          </p:nvPr>
-        </p:nvSpPr>
-        <p:spPr>
-          <a:prstGeom prst="rect">
-            <a:avLst/>
-          </a:prstGeom>
-        </p:spPr>
-        <p:txBody>
-          <a:bodyPr spcFirstLastPara="1" wrap="square" lIns="91425" tIns="91425" rIns="91425" bIns="91425" anchor="t" anchorCtr="0">
-            <a:noAutofit/>
-          </a:bodyPr>
-          <a:lstStyle/>
-          <a:p>
-            <a:pPr marL="0" lvl="0" indent="0" algn="l" rtl="0">
-              <a:spcBef>
-                <a:spcPts val="0"/>
-              </a:spcBef>
-              <a:spcAft>
-                <a:spcPts val="0"/>
-              </a:spcAft>
-              <a:buNone/>
-            </a:pPr>
-            <a:r>
-              <a:rPr lang="es" dirty="0">
-                <a:solidFill>
-                  <a:schemeClr val="tx1"/>
-                </a:solidFill>
-              </a:rPr>
-              <a:t>COMPUTACIÓN FÍSICA</a:t>
-            </a:r>
-            <a:endParaRPr dirty="0">
-              <a:solidFill>
-                <a:schemeClr val="tx1"/>
-              </a:solidFill>
-            </a:endParaRPr>
-          </a:p>
-        </p:txBody>
-      </p:sp>
-      <p:sp>
-        <p:nvSpPr>
-          <p:cNvPr id="108" name="Google Shape;108;p21"/>
-          <p:cNvSpPr txBox="1">
-            <a:spLocks noGrp="1"/>
-          </p:cNvSpPr>
-          <p:nvPr>
-            <p:ph type="body" idx="1"/>
-          </p:nvPr>
-        </p:nvSpPr>
-        <p:spPr>
-          <a:prstGeom prst="rect">
-            <a:avLst/>
-          </a:prstGeom>
-        </p:spPr>
-        <p:txBody>
-          <a:bodyPr spcFirstLastPara="1" wrap="square" lIns="91425" tIns="91425" rIns="91425" bIns="91425" anchor="t" anchorCtr="0">
-            <a:noAutofit/>
-          </a:bodyPr>
-          <a:lstStyle/>
-          <a:p>
-            <a:pPr marL="0" lvl="0" indent="0" algn="l" rtl="0">
-              <a:spcBef>
-                <a:spcPts val="0"/>
-              </a:spcBef>
-              <a:spcAft>
-                <a:spcPts val="1600"/>
-              </a:spcAft>
-              <a:buNone/>
-            </a:pPr>
-            <a:r>
-              <a:rPr lang="es"/>
-              <a:t>UNIDAD 1 </a:t>
-            </a:r>
-            <a:endParaRPr/>
-          </a:p>
-        </p:txBody>
-      </p:sp>
       <p:pic>
         <p:nvPicPr>
-          <p:cNvPr id="109" name="Google Shape;109;p21"/>
-          <p:cNvPicPr preferRelativeResize="0"/>
-          <p:nvPr/>
-        </p:nvPicPr>
-        <p:blipFill>
-          <a:blip r:embed="rId3">
-            <a:alphaModFix/>
-          </a:blip>
-          <a:stretch>
-            <a:fillRect/>
-          </a:stretch>
-        </p:blipFill>
-        <p:spPr>
-          <a:xfrm>
-            <a:off x="2498000" y="1152475"/>
-            <a:ext cx="3782350" cy="3782350"/>
-          </a:xfrm>
-          <a:prstGeom prst="rect">
-            <a:avLst/>
-          </a:prstGeom>
-          <a:noFill/>
-          <a:ln>
-            <a:noFill/>
-          </a:ln>
-        </p:spPr>
-      </p:pic>
-      <p:sp>
-        <p:nvSpPr>
-          <p:cNvPr id="110" name="Google Shape;110;p21"/>
-          <p:cNvSpPr txBox="1"/>
-          <p:nvPr/>
-        </p:nvSpPr>
-        <p:spPr>
-          <a:xfrm>
-            <a:off x="5203750" y="4360550"/>
-            <a:ext cx="1132200" cy="855300"/>
-          </a:xfrm>
-          <a:prstGeom prst="rect">
-            <a:avLst/>
-          </a:prstGeom>
-          <a:noFill/>
-          <a:ln>
-            <a:noFill/>
-          </a:ln>
-        </p:spPr>
-        <p:txBody>
-          <a:bodyPr spcFirstLastPara="1" wrap="square" lIns="91425" tIns="91425" rIns="91425" bIns="91425" anchor="t" anchorCtr="0">
-            <a:noAutofit/>
-          </a:bodyPr>
-          <a:lstStyle/>
-          <a:p>
-            <a:pPr marL="0" lvl="0" indent="0" algn="l" rtl="0">
-              <a:spcBef>
-                <a:spcPts val="0"/>
-              </a:spcBef>
-              <a:spcAft>
-                <a:spcPts val="0"/>
-              </a:spcAft>
-              <a:buNone/>
-            </a:pPr>
-            <a:r>
-              <a:rPr lang="es" b="1"/>
-              <a:t>ARDUINO</a:t>
-            </a:r>
-            <a:endParaRPr b="1"/>
-          </a:p>
-        </p:txBody>
-      </p:sp>
-      <p:pic>
-        <p:nvPicPr>
-          <p:cNvPr id="6" name="Picture 6" descr="Resultado de imagen de icesi logo blanco&quot;">
+          <p:cNvPr id="7170" name="Picture 2" descr="Imagen relacionada">
             <a:extLst>
               <a:ext uri="{FF2B5EF4-FFF2-40B4-BE49-F238E27FC236}">
-                <a16:creationId xmlns:a16="http://schemas.microsoft.com/office/drawing/2014/main" id="{740CC871-45EE-4941-9AB2-1B8C00799C6C}"/>
+                <a16:creationId xmlns:a16="http://schemas.microsoft.com/office/drawing/2014/main" id="{C481A21F-1000-C747-9F99-7D80F6950CE4}"/>
               </a:ext>
             </a:extLst>
           </p:cNvPr>
@@ -10503,14 +11377,7 @@
           <p:nvPr/>
         </p:nvPicPr>
         <p:blipFill>
-          <a:blip r:embed="rId4">
-            <a:duotone>
-              <a:prstClr val="black"/>
-              <a:schemeClr val="accent6">
-                <a:tint val="45000"/>
-                <a:satMod val="400000"/>
-              </a:schemeClr>
-            </a:duotone>
+          <a:blip r:embed="rId5">
             <a:extLst>
               <a:ext uri="{28A0092B-C50C-407E-A947-70E740481C1C}">
                 <a14:useLocalDpi xmlns:a14="http://schemas.microsoft.com/office/drawing/2010/main" val="0"/>
@@ -10524,13 +11391,18 @@
         </p:blipFill>
         <p:spPr bwMode="auto">
           <a:xfrm>
-            <a:off x="7310086" y="538411"/>
-            <a:ext cx="1522214" cy="479314"/>
+            <a:off x="4100945" y="1597376"/>
+            <a:ext cx="4570845" cy="3075070"/>
           </a:xfrm>
           <a:prstGeom prst="rect">
             <a:avLst/>
           </a:prstGeom>
           <a:noFill/>
+          <a:ln>
+            <a:solidFill>
+              <a:schemeClr val="tx1"/>
+            </a:solidFill>
+          </a:ln>
           <a:extLst>
             <a:ext uri="{909E8E84-426E-40DD-AFC4-6F175D3DCCD1}">
               <a14:hiddenFill xmlns:a14="http://schemas.microsoft.com/office/drawing/2010/main">

--- a/Programa.pptx
+++ b/Programa.pptx
@@ -279,7 +279,7 @@
 <file path=ppt/charts/chart1.xml><?xml version="1.0" encoding="utf-8"?>
 <c:chartSpace xmlns:c="http://schemas.openxmlformats.org/drawingml/2006/chart" xmlns:a="http://schemas.openxmlformats.org/drawingml/2006/main" xmlns:r="http://schemas.openxmlformats.org/officeDocument/2006/relationships" xmlns:c16r2="http://schemas.microsoft.com/office/drawing/2015/06/chart">
   <c:date1904 val="0"/>
-  <c:lang val="en-US"/>
+  <c:lang val="es-ES"/>
   <c:roundedCorners val="0"/>
   <mc:AlternateContent xmlns:mc="http://schemas.openxmlformats.org/markup-compatibility/2006">
     <mc:Choice xmlns:c14="http://schemas.microsoft.com/office/drawing/2007/8/2/chart" Requires="c14">
@@ -529,7 +529,7 @@
                     <a:cs typeface="+mn-cs"/>
                   </a:defRPr>
                 </a:pPr>
-                <a:endParaRPr lang="en-US"/>
+                <a:endParaRPr lang="es-CO"/>
               </a:p>
             </c:txPr>
             <c:dLblPos val="inEnd"/>
@@ -555,7 +555,9 @@
               </c:spPr>
             </c:leaderLines>
             <c:extLst>
-              <c:ext xmlns:c15="http://schemas.microsoft.com/office/drawing/2012/chart" uri="{CE6537A1-D6FC-4f65-9D91-7224C49458BB}"/>
+              <c:ext xmlns:c15="http://schemas.microsoft.com/office/drawing/2012/chart" uri="{CE6537A1-D6FC-4f65-9D91-7224C49458BB}">
+                <c15:layout/>
+              </c:ext>
             </c:extLst>
           </c:dLbls>
           <c:cat>
@@ -651,6 +653,7 @@
     </c:plotArea>
     <c:plotVisOnly val="1"/>
     <c:dispBlanksAs val="gap"/>
+    <c:showDLblsOverMax val="0"/>
     <c:extLst>
       <c:ext xmlns:c16r3="http://schemas.microsoft.com/office/drawing/2017/03/chart" uri="{56B9EC1D-385E-4148-901F-78D8002777C0}">
         <c16r3:dataDisplayOptions16>
@@ -658,7 +661,6 @@
         </c16r3:dataDisplayOptions16>
       </c:ext>
     </c:extLst>
-    <c:showDLblsOverMax val="0"/>
   </c:chart>
   <c:spPr>
     <a:noFill/>
@@ -675,7 +677,7 @@
       <a:pPr>
         <a:defRPr/>
       </a:pPr>
-      <a:endParaRPr lang="en-US"/>
+      <a:endParaRPr lang="es-CO"/>
     </a:p>
   </c:txPr>
   <c:externalData r:id="rId3">
@@ -4010,7 +4012,7 @@
           <a:p>
             <a:fld id="{33D65C4C-E6C6-1D47-AF12-AE806350355C}" type="datetimeFigureOut">
               <a:rPr lang="en-US" smtClean="0"/>
-              <a:t>1/19/20</a:t>
+              <a:t>1/20/2020</a:t>
             </a:fld>
             <a:endParaRPr lang="en-US"/>
           </a:p>
@@ -4093,7 +4095,7 @@
             </a:pPr>
             <a:fld id="{00000000-1234-1234-1234-123412341234}" type="slidenum">
               <a:rPr lang="es" smtClean="0"/>
-              <a:t>‹#›</a:t>
+              <a:t>‹Nº›</a:t>
             </a:fld>
             <a:endParaRPr lang="es"/>
           </a:p>
@@ -4282,7 +4284,7 @@
           <a:p>
             <a:fld id="{33D65C4C-E6C6-1D47-AF12-AE806350355C}" type="datetimeFigureOut">
               <a:rPr lang="en-US" smtClean="0"/>
-              <a:t>1/19/20</a:t>
+              <a:t>1/20/2020</a:t>
             </a:fld>
             <a:endParaRPr lang="en-US"/>
           </a:p>
@@ -4333,7 +4335,7 @@
             </a:pPr>
             <a:fld id="{00000000-1234-1234-1234-123412341234}" type="slidenum">
               <a:rPr lang="es" smtClean="0"/>
-              <a:t>‹#›</a:t>
+              <a:t>‹Nº›</a:t>
             </a:fld>
             <a:endParaRPr lang="es"/>
           </a:p>
@@ -4527,7 +4529,7 @@
           <a:p>
             <a:fld id="{33D65C4C-E6C6-1D47-AF12-AE806350355C}" type="datetimeFigureOut">
               <a:rPr lang="en-US" smtClean="0"/>
-              <a:t>1/19/20</a:t>
+              <a:t>1/20/2020</a:t>
             </a:fld>
             <a:endParaRPr lang="en-US"/>
           </a:p>
@@ -4599,7 +4601,7 @@
             </a:pPr>
             <a:fld id="{00000000-1234-1234-1234-123412341234}" type="slidenum">
               <a:rPr lang="es" smtClean="0"/>
-              <a:t>‹#›</a:t>
+              <a:t>‹Nº›</a:t>
             </a:fld>
             <a:endParaRPr lang="es"/>
           </a:p>
@@ -4967,7 +4969,7 @@
             </a:pPr>
             <a:fld id="{00000000-1234-1234-1234-123412341234}" type="slidenum">
               <a:rPr lang="es"/>
-              <a:t>‹#›</a:t>
+              <a:t>‹Nº›</a:t>
             </a:fld>
             <a:endParaRPr/>
           </a:p>
@@ -5144,7 +5146,7 @@
           <a:p>
             <a:fld id="{33D65C4C-E6C6-1D47-AF12-AE806350355C}" type="datetimeFigureOut">
               <a:rPr lang="en-US" smtClean="0"/>
-              <a:t>1/19/20</a:t>
+              <a:t>1/20/2020</a:t>
             </a:fld>
             <a:endParaRPr lang="en-US"/>
           </a:p>
@@ -5200,7 +5202,7 @@
             </a:pPr>
             <a:fld id="{00000000-1234-1234-1234-123412341234}" type="slidenum">
               <a:rPr lang="es" smtClean="0"/>
-              <a:t>‹#›</a:t>
+              <a:t>‹Nº›</a:t>
             </a:fld>
             <a:endParaRPr lang="es"/>
           </a:p>
@@ -5461,7 +5463,7 @@
           <a:p>
             <a:fld id="{33D65C4C-E6C6-1D47-AF12-AE806350355C}" type="datetimeFigureOut">
               <a:rPr lang="en-US" smtClean="0"/>
-              <a:t>1/19/20</a:t>
+              <a:t>1/20/2020</a:t>
             </a:fld>
             <a:endParaRPr lang="en-US"/>
           </a:p>
@@ -5534,7 +5536,7 @@
             </a:pPr>
             <a:fld id="{00000000-1234-1234-1234-123412341234}" type="slidenum">
               <a:rPr lang="es" smtClean="0"/>
-              <a:t>‹#›</a:t>
+              <a:t>‹Nº›</a:t>
             </a:fld>
             <a:endParaRPr lang="es"/>
           </a:p>
@@ -5773,7 +5775,7 @@
           <a:p>
             <a:fld id="{33D65C4C-E6C6-1D47-AF12-AE806350355C}" type="datetimeFigureOut">
               <a:rPr lang="en-US" smtClean="0"/>
-              <a:t>1/19/20</a:t>
+              <a:t>1/20/2020</a:t>
             </a:fld>
             <a:endParaRPr lang="en-US"/>
           </a:p>
@@ -5824,7 +5826,7 @@
             </a:pPr>
             <a:fld id="{00000000-1234-1234-1234-123412341234}" type="slidenum">
               <a:rPr lang="es" smtClean="0"/>
-              <a:t>‹#›</a:t>
+              <a:t>‹Nº›</a:t>
             </a:fld>
             <a:endParaRPr lang="es"/>
           </a:p>
@@ -6210,7 +6212,7 @@
           <a:p>
             <a:fld id="{33D65C4C-E6C6-1D47-AF12-AE806350355C}" type="datetimeFigureOut">
               <a:rPr lang="en-US" smtClean="0"/>
-              <a:t>1/19/20</a:t>
+              <a:t>1/20/2020</a:t>
             </a:fld>
             <a:endParaRPr lang="en-US"/>
           </a:p>
@@ -6261,7 +6263,7 @@
             </a:pPr>
             <a:fld id="{00000000-1234-1234-1234-123412341234}" type="slidenum">
               <a:rPr lang="es" smtClean="0"/>
-              <a:t>‹#›</a:t>
+              <a:t>‹Nº›</a:t>
             </a:fld>
             <a:endParaRPr lang="es"/>
           </a:p>
@@ -6387,7 +6389,7 @@
           <a:p>
             <a:fld id="{33D65C4C-E6C6-1D47-AF12-AE806350355C}" type="datetimeFigureOut">
               <a:rPr lang="en-US" smtClean="0"/>
-              <a:t>1/19/20</a:t>
+              <a:t>1/20/2020</a:t>
             </a:fld>
             <a:endParaRPr lang="en-US"/>
           </a:p>
@@ -6438,7 +6440,7 @@
             </a:pPr>
             <a:fld id="{00000000-1234-1234-1234-123412341234}" type="slidenum">
               <a:rPr lang="es" smtClean="0"/>
-              <a:t>‹#›</a:t>
+              <a:t>‹Nº›</a:t>
             </a:fld>
             <a:endParaRPr lang="es"/>
           </a:p>
@@ -6492,7 +6494,7 @@
           <a:p>
             <a:fld id="{33D65C4C-E6C6-1D47-AF12-AE806350355C}" type="datetimeFigureOut">
               <a:rPr lang="en-US" smtClean="0"/>
-              <a:t>1/19/20</a:t>
+              <a:t>1/20/2020</a:t>
             </a:fld>
             <a:endParaRPr lang="en-US"/>
           </a:p>
@@ -6543,7 +6545,7 @@
             </a:pPr>
             <a:fld id="{00000000-1234-1234-1234-123412341234}" type="slidenum">
               <a:rPr lang="es" smtClean="0"/>
-              <a:t>‹#›</a:t>
+              <a:t>‹Nº›</a:t>
             </a:fld>
             <a:endParaRPr lang="es"/>
           </a:p>
@@ -6879,7 +6881,7 @@
           <a:p>
             <a:fld id="{33D65C4C-E6C6-1D47-AF12-AE806350355C}" type="datetimeFigureOut">
               <a:rPr lang="en-US" smtClean="0"/>
-              <a:t>1/19/20</a:t>
+              <a:t>1/20/2020</a:t>
             </a:fld>
             <a:endParaRPr lang="en-US"/>
           </a:p>
@@ -6952,7 +6954,7 @@
             </a:pPr>
             <a:fld id="{00000000-1234-1234-1234-123412341234}" type="slidenum">
               <a:rPr lang="es" smtClean="0"/>
-              <a:t>‹#›</a:t>
+              <a:t>‹Nº›</a:t>
             </a:fld>
             <a:endParaRPr lang="es"/>
           </a:p>
@@ -7183,7 +7185,7 @@
           <a:p>
             <a:fld id="{33D65C4C-E6C6-1D47-AF12-AE806350355C}" type="datetimeFigureOut">
               <a:rPr lang="en-US" smtClean="0"/>
-              <a:t>1/19/20</a:t>
+              <a:t>1/20/2020</a:t>
             </a:fld>
             <a:endParaRPr lang="en-US"/>
           </a:p>
@@ -7234,7 +7236,7 @@
             </a:pPr>
             <a:fld id="{00000000-1234-1234-1234-123412341234}" type="slidenum">
               <a:rPr lang="es" smtClean="0"/>
-              <a:t>‹#›</a:t>
+              <a:t>‹Nº›</a:t>
             </a:fld>
             <a:endParaRPr lang="es"/>
           </a:p>
@@ -7404,7 +7406,7 @@
           <a:p>
             <a:fld id="{33D65C4C-E6C6-1D47-AF12-AE806350355C}" type="datetimeFigureOut">
               <a:rPr lang="en-US" smtClean="0"/>
-              <a:t>1/19/20</a:t>
+              <a:t>1/20/2020</a:t>
             </a:fld>
             <a:endParaRPr lang="en-US"/>
           </a:p>
@@ -7487,7 +7489,7 @@
             </a:pPr>
             <a:fld id="{00000000-1234-1234-1234-123412341234}" type="slidenum">
               <a:rPr lang="es" smtClean="0"/>
-              <a:t>‹#›</a:t>
+              <a:t>‹Nº›</a:t>
             </a:fld>
             <a:endParaRPr lang="es"/>
           </a:p>
@@ -8161,6 +8163,13 @@
   <p:clrMapOvr>
     <a:masterClrMapping/>
   </p:clrMapOvr>
+  <p:timing>
+    <p:tnLst>
+      <p:par>
+        <p:cTn id="1" dur="indefinite" restart="never" nodeType="tmRoot"/>
+      </p:par>
+    </p:tnLst>
+  </p:timing>
 </p:sld>
 </file>
 
@@ -8239,6 +8248,13 @@
   <p:clrMapOvr>
     <a:masterClrMapping/>
   </p:clrMapOvr>
+  <p:timing>
+    <p:tnLst>
+      <p:par>
+        <p:cTn id="1" dur="indefinite" restart="never" nodeType="tmRoot"/>
+      </p:par>
+    </p:tnLst>
+  </p:timing>
 </p:sld>
 </file>
 
@@ -8472,6 +8488,13 @@
   <p:clrMapOvr>
     <a:masterClrMapping/>
   </p:clrMapOvr>
+  <p:timing>
+    <p:tnLst>
+      <p:par>
+        <p:cTn id="1" dur="indefinite" restart="never" nodeType="tmRoot"/>
+      </p:par>
+    </p:tnLst>
+  </p:timing>
 </p:sld>
 </file>
 
@@ -8584,8 +8607,8 @@
         </p:nvSpPr>
         <p:spPr>
           <a:xfrm>
-            <a:off x="4806225" y="4360550"/>
-            <a:ext cx="2336700" cy="855300"/>
+            <a:off x="3445776" y="4360550"/>
+            <a:ext cx="2085229" cy="343075"/>
           </a:xfrm>
           <a:prstGeom prst="rect">
             <a:avLst/>
@@ -8601,7 +8624,7 @@
           </a:bodyPr>
           <a:lstStyle/>
           <a:p>
-            <a:pPr marL="0" lvl="0" indent="0" algn="l" rtl="0">
+            <a:pPr marL="0" lvl="0" indent="0" algn="ctr" rtl="0">
               <a:spcBef>
                 <a:spcPts val="0"/>
               </a:spcBef>
@@ -8611,10 +8634,10 @@
               <a:buNone/>
             </a:pPr>
             <a:r>
-              <a:rPr lang="es" b="1"/>
+              <a:rPr lang="es" b="1" dirty="0"/>
               <a:t>TOPOLOGÍA DE RED</a:t>
             </a:r>
-            <a:endParaRPr b="1"/>
+            <a:endParaRPr b="1" dirty="0"/>
           </a:p>
         </p:txBody>
       </p:sp>
@@ -8634,8 +8657,8 @@
         </p:blipFill>
         <p:spPr>
           <a:xfrm>
-            <a:off x="2883603" y="1285625"/>
-            <a:ext cx="3376800" cy="3150100"/>
+            <a:off x="1039934" y="1819653"/>
+            <a:ext cx="2231879" cy="2082043"/>
           </a:xfrm>
           <a:prstGeom prst="rect">
             <a:avLst/>
@@ -8700,11 +8723,59 @@
           </a:extLst>
         </p:spPr>
       </p:pic>
+      <p:pic>
+        <p:nvPicPr>
+          <p:cNvPr id="1026" name="Picture 2" descr="Resultado de imagen para network topology"/>
+          <p:cNvPicPr>
+            <a:picLocks noChangeAspect="1" noChangeArrowheads="1"/>
+          </p:cNvPicPr>
+          <p:nvPr/>
+        </p:nvPicPr>
+        <p:blipFill>
+          <a:blip r:embed="rId5">
+            <a:extLst>
+              <a:ext uri="{28A0092B-C50C-407E-A947-70E740481C1C}">
+                <a14:useLocalDpi xmlns:a14="http://schemas.microsoft.com/office/drawing/2010/main" val="0"/>
+              </a:ext>
+            </a:extLst>
+          </a:blip>
+          <a:srcRect/>
+          <a:stretch>
+            <a:fillRect/>
+          </a:stretch>
+        </p:blipFill>
+        <p:spPr bwMode="auto">
+          <a:xfrm>
+            <a:off x="4162580" y="1549275"/>
+            <a:ext cx="4162425" cy="2676525"/>
+          </a:xfrm>
+          <a:prstGeom prst="rect">
+            <a:avLst/>
+          </a:prstGeom>
+          <a:noFill/>
+          <a:extLst>
+            <a:ext uri="{909E8E84-426E-40DD-AFC4-6F175D3DCCD1}">
+              <a14:hiddenFill xmlns:a14="http://schemas.microsoft.com/office/drawing/2010/main">
+                <a:solidFill>
+                  <a:srgbClr val="FFFFFF"/>
+                </a:solidFill>
+              </a14:hiddenFill>
+            </a:ext>
+          </a:extLst>
+        </p:spPr>
+      </p:pic>
     </p:spTree>
   </p:cSld>
   <p:clrMapOvr>
     <a:masterClrMapping/>
   </p:clrMapOvr>
+  <p:timing>
+    <p:tnLst>
+      <p:par>
+        <p:cTn id="1" dur="indefinite" restart="never" nodeType="tmRoot"/>
+      </p:par>
+    </p:tnLst>
+  </p:timing>
 </p:sld>
 </file>
 
@@ -8824,7 +8895,7 @@
         </p:blipFill>
         <p:spPr>
           <a:xfrm>
-            <a:off x="3051313" y="2130932"/>
+            <a:off x="1081265" y="2264747"/>
             <a:ext cx="3449342" cy="1119516"/>
           </a:xfrm>
           <a:prstGeom prst="rect">
@@ -8844,7 +8915,7 @@
         </p:nvSpPr>
         <p:spPr>
           <a:xfrm>
-            <a:off x="4035275" y="3385198"/>
+            <a:off x="2065227" y="3519013"/>
             <a:ext cx="1469700" cy="397500"/>
           </a:xfrm>
           <a:prstGeom prst="rect">
@@ -8932,11 +9003,49 @@
           </a:extLst>
         </p:spPr>
       </p:pic>
+      <p:sp>
+        <p:nvSpPr>
+          <p:cNvPr id="2" name="CuadroTexto 1"/>
+          <p:cNvSpPr txBox="1"/>
+          <p:nvPr/>
+        </p:nvSpPr>
+        <p:spPr>
+          <a:xfrm>
+            <a:off x="5382321" y="2594517"/>
+            <a:ext cx="3033132" cy="523220"/>
+          </a:xfrm>
+          <a:prstGeom prst="rect">
+            <a:avLst/>
+          </a:prstGeom>
+          <a:noFill/>
+        </p:spPr>
+        <p:txBody>
+          <a:bodyPr wrap="square" rtlCol="0">
+            <a:spAutoFit/>
+          </a:bodyPr>
+          <a:lstStyle/>
+          <a:p>
+            <a:pPr algn="ctr"/>
+            <a:r>
+              <a:rPr lang="es-ES" dirty="0" smtClean="0"/>
+              <a:t>Protocolo NO orientado a la conexión</a:t>
+            </a:r>
+            <a:endParaRPr lang="es-CO" dirty="0"/>
+          </a:p>
+        </p:txBody>
+      </p:sp>
     </p:spTree>
   </p:cSld>
   <p:clrMapOvr>
     <a:masterClrMapping/>
   </p:clrMapOvr>
+  <p:timing>
+    <p:tnLst>
+      <p:par>
+        <p:cTn id="1" dur="indefinite" restart="never" nodeType="tmRoot"/>
+      </p:par>
+    </p:tnLst>
+  </p:timing>
 </p:sld>
 </file>
 
@@ -9034,10 +9143,10 @@
               <a:buNone/>
             </a:pPr>
             <a:r>
-              <a:rPr lang="es"/>
+              <a:rPr lang="es" dirty="0"/>
               <a:t>UNIDAD 4</a:t>
             </a:r>
-            <a:endParaRPr/>
+            <a:endParaRPr dirty="0"/>
           </a:p>
         </p:txBody>
       </p:sp>
@@ -9056,7 +9165,7 @@
         </p:blipFill>
         <p:spPr>
           <a:xfrm>
-            <a:off x="2631144" y="1924618"/>
+            <a:off x="311700" y="1924618"/>
             <a:ext cx="3869048" cy="1544184"/>
           </a:xfrm>
           <a:prstGeom prst="rect">
@@ -9076,7 +9185,7 @@
         </p:nvSpPr>
         <p:spPr>
           <a:xfrm>
-            <a:off x="3993433" y="3603552"/>
+            <a:off x="1645189" y="3468802"/>
             <a:ext cx="1469700" cy="397500"/>
           </a:xfrm>
           <a:prstGeom prst="rect">
@@ -9103,10 +9212,10 @@
               <a:buNone/>
             </a:pPr>
             <a:r>
-              <a:rPr lang="es"/>
+              <a:rPr lang="es" dirty="0"/>
               <a:t>ENLACE TCP</a:t>
             </a:r>
-            <a:endParaRPr/>
+            <a:endParaRPr dirty="0"/>
           </a:p>
         </p:txBody>
       </p:sp>
@@ -9164,11 +9273,49 @@
           </a:extLst>
         </p:spPr>
       </p:pic>
+      <p:sp>
+        <p:nvSpPr>
+          <p:cNvPr id="8" name="CuadroTexto 7"/>
+          <p:cNvSpPr txBox="1"/>
+          <p:nvPr/>
+        </p:nvSpPr>
+        <p:spPr>
+          <a:xfrm>
+            <a:off x="5382321" y="2594517"/>
+            <a:ext cx="3033132" cy="307777"/>
+          </a:xfrm>
+          <a:prstGeom prst="rect">
+            <a:avLst/>
+          </a:prstGeom>
+          <a:noFill/>
+        </p:spPr>
+        <p:txBody>
+          <a:bodyPr wrap="square" rtlCol="0">
+            <a:spAutoFit/>
+          </a:bodyPr>
+          <a:lstStyle/>
+          <a:p>
+            <a:pPr algn="ctr"/>
+            <a:r>
+              <a:rPr lang="es-ES" dirty="0" smtClean="0"/>
+              <a:t>Protocolo orientado a la conexión</a:t>
+            </a:r>
+            <a:endParaRPr lang="es-CO" dirty="0"/>
+          </a:p>
+        </p:txBody>
+      </p:sp>
     </p:spTree>
   </p:cSld>
   <p:clrMapOvr>
     <a:masterClrMapping/>
   </p:clrMapOvr>
+  <p:timing>
+    <p:tnLst>
+      <p:par>
+        <p:cTn id="1" dur="indefinite" restart="never" nodeType="tmRoot"/>
+      </p:par>
+    </p:tnLst>
+  </p:timing>
 </p:sld>
 </file>
 
@@ -9363,6 +9510,13 @@
   <p:clrMapOvr>
     <a:masterClrMapping/>
   </p:clrMapOvr>
+  <p:timing>
+    <p:tnLst>
+      <p:par>
+        <p:cTn id="1" dur="indefinite" restart="never" nodeType="tmRoot"/>
+      </p:par>
+    </p:tnLst>
+  </p:timing>
 </p:sld>
 </file>
 
@@ -9446,6 +9600,13 @@
   <p:clrMapOvr>
     <a:masterClrMapping/>
   </p:clrMapOvr>
+  <p:timing>
+    <p:tnLst>
+      <p:par>
+        <p:cTn id="1" dur="indefinite" restart="never" nodeType="tmRoot"/>
+      </p:par>
+    </p:tnLst>
+  </p:timing>
 </p:sld>
 </file>
 
@@ -9909,6 +10070,13 @@
   <p:clrMapOvr>
     <a:masterClrMapping/>
   </p:clrMapOvr>
+  <p:timing>
+    <p:tnLst>
+      <p:par>
+        <p:cTn id="1" dur="indefinite" restart="never" nodeType="tmRoot"/>
+      </p:par>
+    </p:tnLst>
+  </p:timing>
 </p:sld>
 </file>
 
@@ -10060,6 +10228,13 @@
   <p:clrMapOvr>
     <a:masterClrMapping/>
   </p:clrMapOvr>
+  <p:timing>
+    <p:tnLst>
+      <p:par>
+        <p:cTn id="1" dur="indefinite" restart="never" nodeType="tmRoot"/>
+      </p:par>
+    </p:tnLst>
+  </p:timing>
 </p:sld>
 </file>
 
@@ -10233,6 +10408,13 @@
   <p:clrMapOvr>
     <a:masterClrMapping/>
   </p:clrMapOvr>
+  <p:timing>
+    <p:tnLst>
+      <p:par>
+        <p:cTn id="1" dur="indefinite" restart="never" nodeType="tmRoot"/>
+      </p:par>
+    </p:tnLst>
+  </p:timing>
 </p:sld>
 </file>
 
@@ -10406,6 +10588,13 @@
   <p:clrMapOvr>
     <a:masterClrMapping/>
   </p:clrMapOvr>
+  <p:timing>
+    <p:tnLst>
+      <p:par>
+        <p:cTn id="1" dur="indefinite" restart="never" nodeType="tmRoot"/>
+      </p:par>
+    </p:tnLst>
+  </p:timing>
 </p:sld>
 </file>
 
@@ -10660,6 +10849,13 @@
   <p:clrMapOvr>
     <a:masterClrMapping/>
   </p:clrMapOvr>
+  <p:timing>
+    <p:tnLst>
+      <p:par>
+        <p:cTn id="1" dur="indefinite" restart="never" nodeType="tmRoot"/>
+      </p:par>
+    </p:tnLst>
+  </p:timing>
 </p:sld>
 </file>
 
@@ -10846,6 +11042,13 @@
   <p:clrMapOvr>
     <a:masterClrMapping/>
   </p:clrMapOvr>
+  <p:timing>
+    <p:tnLst>
+      <p:par>
+        <p:cTn id="1" dur="indefinite" restart="never" nodeType="tmRoot"/>
+      </p:par>
+    </p:tnLst>
+  </p:timing>
 </p:sld>
 </file>
 
@@ -11037,6 +11240,13 @@
   <p:clrMapOvr>
     <a:masterClrMapping/>
   </p:clrMapOvr>
+  <p:timing>
+    <p:tnLst>
+      <p:par>
+        <p:cTn id="1" dur="indefinite" restart="never" nodeType="tmRoot"/>
+      </p:par>
+    </p:tnLst>
+  </p:timing>
 </p:sld>
 </file>
 
@@ -11228,6 +11438,13 @@
   <p:clrMapOvr>
     <a:masterClrMapping/>
   </p:clrMapOvr>
+  <p:timing>
+    <p:tnLst>
+      <p:par>
+        <p:cTn id="1" dur="indefinite" restart="never" nodeType="tmRoot"/>
+      </p:par>
+    </p:tnLst>
+  </p:timing>
 </p:sld>
 </file>
 
@@ -11296,7 +11513,7 @@
         </p:blipFill>
         <p:spPr>
           <a:xfrm>
-            <a:off x="311700" y="1757223"/>
+            <a:off x="936168" y="1762848"/>
             <a:ext cx="2472904" cy="2744125"/>
           </a:xfrm>
           <a:prstGeom prst="rect">
@@ -11419,6 +11636,13 @@
   <p:clrMapOvr>
     <a:masterClrMapping/>
   </p:clrMapOvr>
+  <p:timing>
+    <p:tnLst>
+      <p:par>
+        <p:cTn id="1" dur="indefinite" restart="never" nodeType="tmRoot"/>
+      </p:par>
+    </p:tnLst>
+  </p:timing>
 </p:sld>
 </file>
 

--- a/Programa.pptx
+++ b/Programa.pptx
@@ -4012,7 +4012,7 @@
           <a:p>
             <a:fld id="{33D65C4C-E6C6-1D47-AF12-AE806350355C}" type="datetimeFigureOut">
               <a:rPr lang="en-US" smtClean="0"/>
-              <a:t>1/20/2020</a:t>
+              <a:t>1/21/2020</a:t>
             </a:fld>
             <a:endParaRPr lang="en-US"/>
           </a:p>
@@ -4284,7 +4284,7 @@
           <a:p>
             <a:fld id="{33D65C4C-E6C6-1D47-AF12-AE806350355C}" type="datetimeFigureOut">
               <a:rPr lang="en-US" smtClean="0"/>
-              <a:t>1/20/2020</a:t>
+              <a:t>1/21/2020</a:t>
             </a:fld>
             <a:endParaRPr lang="en-US"/>
           </a:p>
@@ -4529,7 +4529,7 @@
           <a:p>
             <a:fld id="{33D65C4C-E6C6-1D47-AF12-AE806350355C}" type="datetimeFigureOut">
               <a:rPr lang="en-US" smtClean="0"/>
-              <a:t>1/20/2020</a:t>
+              <a:t>1/21/2020</a:t>
             </a:fld>
             <a:endParaRPr lang="en-US"/>
           </a:p>
@@ -5146,7 +5146,7 @@
           <a:p>
             <a:fld id="{33D65C4C-E6C6-1D47-AF12-AE806350355C}" type="datetimeFigureOut">
               <a:rPr lang="en-US" smtClean="0"/>
-              <a:t>1/20/2020</a:t>
+              <a:t>1/21/2020</a:t>
             </a:fld>
             <a:endParaRPr lang="en-US"/>
           </a:p>
@@ -5463,7 +5463,7 @@
           <a:p>
             <a:fld id="{33D65C4C-E6C6-1D47-AF12-AE806350355C}" type="datetimeFigureOut">
               <a:rPr lang="en-US" smtClean="0"/>
-              <a:t>1/20/2020</a:t>
+              <a:t>1/21/2020</a:t>
             </a:fld>
             <a:endParaRPr lang="en-US"/>
           </a:p>
@@ -5775,7 +5775,7 @@
           <a:p>
             <a:fld id="{33D65C4C-E6C6-1D47-AF12-AE806350355C}" type="datetimeFigureOut">
               <a:rPr lang="en-US" smtClean="0"/>
-              <a:t>1/20/2020</a:t>
+              <a:t>1/21/2020</a:t>
             </a:fld>
             <a:endParaRPr lang="en-US"/>
           </a:p>
@@ -6212,7 +6212,7 @@
           <a:p>
             <a:fld id="{33D65C4C-E6C6-1D47-AF12-AE806350355C}" type="datetimeFigureOut">
               <a:rPr lang="en-US" smtClean="0"/>
-              <a:t>1/20/2020</a:t>
+              <a:t>1/21/2020</a:t>
             </a:fld>
             <a:endParaRPr lang="en-US"/>
           </a:p>
@@ -6389,7 +6389,7 @@
           <a:p>
             <a:fld id="{33D65C4C-E6C6-1D47-AF12-AE806350355C}" type="datetimeFigureOut">
               <a:rPr lang="en-US" smtClean="0"/>
-              <a:t>1/20/2020</a:t>
+              <a:t>1/21/2020</a:t>
             </a:fld>
             <a:endParaRPr lang="en-US"/>
           </a:p>
@@ -6494,7 +6494,7 @@
           <a:p>
             <a:fld id="{33D65C4C-E6C6-1D47-AF12-AE806350355C}" type="datetimeFigureOut">
               <a:rPr lang="en-US" smtClean="0"/>
-              <a:t>1/20/2020</a:t>
+              <a:t>1/21/2020</a:t>
             </a:fld>
             <a:endParaRPr lang="en-US"/>
           </a:p>
@@ -6881,7 +6881,7 @@
           <a:p>
             <a:fld id="{33D65C4C-E6C6-1D47-AF12-AE806350355C}" type="datetimeFigureOut">
               <a:rPr lang="en-US" smtClean="0"/>
-              <a:t>1/20/2020</a:t>
+              <a:t>1/21/2020</a:t>
             </a:fld>
             <a:endParaRPr lang="en-US"/>
           </a:p>
@@ -7185,7 +7185,7 @@
           <a:p>
             <a:fld id="{33D65C4C-E6C6-1D47-AF12-AE806350355C}" type="datetimeFigureOut">
               <a:rPr lang="en-US" smtClean="0"/>
-              <a:t>1/20/2020</a:t>
+              <a:t>1/21/2020</a:t>
             </a:fld>
             <a:endParaRPr lang="en-US"/>
           </a:p>
@@ -7406,7 +7406,7 @@
           <a:p>
             <a:fld id="{33D65C4C-E6C6-1D47-AF12-AE806350355C}" type="datetimeFigureOut">
               <a:rPr lang="en-US" smtClean="0"/>
-              <a:t>1/20/2020</a:t>
+              <a:t>1/21/2020</a:t>
             </a:fld>
             <a:endParaRPr lang="en-US"/>
           </a:p>
@@ -9771,13 +9771,10 @@
           <a:p>
             <a:pPr algn="ctr"/>
             <a:r>
-              <a:rPr lang="en-US" dirty="0" err="1"/>
-              <a:t>Parcial</a:t>
+              <a:rPr lang="en-US" dirty="0" smtClean="0"/>
+              <a:t>Proyecto</a:t>
             </a:r>
-            <a:r>
-              <a:rPr lang="en-US" dirty="0"/>
-              <a:t> 1</a:t>
-            </a:r>
+            <a:endParaRPr lang="en-US" dirty="0"/>
           </a:p>
         </p:txBody>
       </p:sp>

--- a/Programa.pptx
+++ b/Programa.pptx
@@ -279,7 +279,7 @@
 <file path=ppt/charts/chart1.xml><?xml version="1.0" encoding="utf-8"?>
 <c:chartSpace xmlns:c="http://schemas.openxmlformats.org/drawingml/2006/chart" xmlns:a="http://schemas.openxmlformats.org/drawingml/2006/main" xmlns:r="http://schemas.openxmlformats.org/officeDocument/2006/relationships" xmlns:c16r2="http://schemas.microsoft.com/office/drawing/2015/06/chart">
   <c:date1904 val="0"/>
-  <c:lang val="es-ES"/>
+  <c:lang val="en-US"/>
   <c:roundedCorners val="0"/>
   <mc:AlternateContent xmlns:mc="http://schemas.openxmlformats.org/markup-compatibility/2006">
     <mc:Choice xmlns:c14="http://schemas.microsoft.com/office/drawing/2007/8/2/chart" Requires="c14">
@@ -529,7 +529,7 @@
                     <a:cs typeface="+mn-cs"/>
                   </a:defRPr>
                 </a:pPr>
-                <a:endParaRPr lang="es-CO"/>
+                <a:endParaRPr lang="en-US"/>
               </a:p>
             </c:txPr>
             <c:dLblPos val="inEnd"/>
@@ -555,9 +555,7 @@
               </c:spPr>
             </c:leaderLines>
             <c:extLst>
-              <c:ext xmlns:c15="http://schemas.microsoft.com/office/drawing/2012/chart" uri="{CE6537A1-D6FC-4f65-9D91-7224C49458BB}">
-                <c15:layout/>
-              </c:ext>
+              <c:ext xmlns:c15="http://schemas.microsoft.com/office/drawing/2012/chart" uri="{CE6537A1-D6FC-4f65-9D91-7224C49458BB}"/>
             </c:extLst>
           </c:dLbls>
           <c:cat>
@@ -653,7 +651,6 @@
     </c:plotArea>
     <c:plotVisOnly val="1"/>
     <c:dispBlanksAs val="gap"/>
-    <c:showDLblsOverMax val="0"/>
     <c:extLst>
       <c:ext xmlns:c16r3="http://schemas.microsoft.com/office/drawing/2017/03/chart" uri="{56B9EC1D-385E-4148-901F-78D8002777C0}">
         <c16r3:dataDisplayOptions16>
@@ -661,6 +658,7 @@
         </c16r3:dataDisplayOptions16>
       </c:ext>
     </c:extLst>
+    <c:showDLblsOverMax val="0"/>
   </c:chart>
   <c:spPr>
     <a:noFill/>
@@ -677,7 +675,7 @@
       <a:pPr>
         <a:defRPr/>
       </a:pPr>
-      <a:endParaRPr lang="es-CO"/>
+      <a:endParaRPr lang="en-US"/>
     </a:p>
   </c:txPr>
   <c:externalData r:id="rId3">
@@ -4012,7 +4010,7 @@
           <a:p>
             <a:fld id="{33D65C4C-E6C6-1D47-AF12-AE806350355C}" type="datetimeFigureOut">
               <a:rPr lang="en-US" smtClean="0"/>
-              <a:t>1/21/2020</a:t>
+              <a:t>1/22/20</a:t>
             </a:fld>
             <a:endParaRPr lang="en-US"/>
           </a:p>
@@ -4095,7 +4093,7 @@
             </a:pPr>
             <a:fld id="{00000000-1234-1234-1234-123412341234}" type="slidenum">
               <a:rPr lang="es" smtClean="0"/>
-              <a:t>‹Nº›</a:t>
+              <a:t>‹#›</a:t>
             </a:fld>
             <a:endParaRPr lang="es"/>
           </a:p>
@@ -4284,7 +4282,7 @@
           <a:p>
             <a:fld id="{33D65C4C-E6C6-1D47-AF12-AE806350355C}" type="datetimeFigureOut">
               <a:rPr lang="en-US" smtClean="0"/>
-              <a:t>1/21/2020</a:t>
+              <a:t>1/22/20</a:t>
             </a:fld>
             <a:endParaRPr lang="en-US"/>
           </a:p>
@@ -4335,7 +4333,7 @@
             </a:pPr>
             <a:fld id="{00000000-1234-1234-1234-123412341234}" type="slidenum">
               <a:rPr lang="es" smtClean="0"/>
-              <a:t>‹Nº›</a:t>
+              <a:t>‹#›</a:t>
             </a:fld>
             <a:endParaRPr lang="es"/>
           </a:p>
@@ -4529,7 +4527,7 @@
           <a:p>
             <a:fld id="{33D65C4C-E6C6-1D47-AF12-AE806350355C}" type="datetimeFigureOut">
               <a:rPr lang="en-US" smtClean="0"/>
-              <a:t>1/21/2020</a:t>
+              <a:t>1/22/20</a:t>
             </a:fld>
             <a:endParaRPr lang="en-US"/>
           </a:p>
@@ -4601,7 +4599,7 @@
             </a:pPr>
             <a:fld id="{00000000-1234-1234-1234-123412341234}" type="slidenum">
               <a:rPr lang="es" smtClean="0"/>
-              <a:t>‹Nº›</a:t>
+              <a:t>‹#›</a:t>
             </a:fld>
             <a:endParaRPr lang="es"/>
           </a:p>
@@ -4969,7 +4967,7 @@
             </a:pPr>
             <a:fld id="{00000000-1234-1234-1234-123412341234}" type="slidenum">
               <a:rPr lang="es"/>
-              <a:t>‹Nº›</a:t>
+              <a:t>‹#›</a:t>
             </a:fld>
             <a:endParaRPr/>
           </a:p>
@@ -5146,7 +5144,7 @@
           <a:p>
             <a:fld id="{33D65C4C-E6C6-1D47-AF12-AE806350355C}" type="datetimeFigureOut">
               <a:rPr lang="en-US" smtClean="0"/>
-              <a:t>1/21/2020</a:t>
+              <a:t>1/22/20</a:t>
             </a:fld>
             <a:endParaRPr lang="en-US"/>
           </a:p>
@@ -5202,7 +5200,7 @@
             </a:pPr>
             <a:fld id="{00000000-1234-1234-1234-123412341234}" type="slidenum">
               <a:rPr lang="es" smtClean="0"/>
-              <a:t>‹Nº›</a:t>
+              <a:t>‹#›</a:t>
             </a:fld>
             <a:endParaRPr lang="es"/>
           </a:p>
@@ -5463,7 +5461,7 @@
           <a:p>
             <a:fld id="{33D65C4C-E6C6-1D47-AF12-AE806350355C}" type="datetimeFigureOut">
               <a:rPr lang="en-US" smtClean="0"/>
-              <a:t>1/21/2020</a:t>
+              <a:t>1/22/20</a:t>
             </a:fld>
             <a:endParaRPr lang="en-US"/>
           </a:p>
@@ -5536,7 +5534,7 @@
             </a:pPr>
             <a:fld id="{00000000-1234-1234-1234-123412341234}" type="slidenum">
               <a:rPr lang="es" smtClean="0"/>
-              <a:t>‹Nº›</a:t>
+              <a:t>‹#›</a:t>
             </a:fld>
             <a:endParaRPr lang="es"/>
           </a:p>
@@ -5775,7 +5773,7 @@
           <a:p>
             <a:fld id="{33D65C4C-E6C6-1D47-AF12-AE806350355C}" type="datetimeFigureOut">
               <a:rPr lang="en-US" smtClean="0"/>
-              <a:t>1/21/2020</a:t>
+              <a:t>1/22/20</a:t>
             </a:fld>
             <a:endParaRPr lang="en-US"/>
           </a:p>
@@ -5826,7 +5824,7 @@
             </a:pPr>
             <a:fld id="{00000000-1234-1234-1234-123412341234}" type="slidenum">
               <a:rPr lang="es" smtClean="0"/>
-              <a:t>‹Nº›</a:t>
+              <a:t>‹#›</a:t>
             </a:fld>
             <a:endParaRPr lang="es"/>
           </a:p>
@@ -6212,7 +6210,7 @@
           <a:p>
             <a:fld id="{33D65C4C-E6C6-1D47-AF12-AE806350355C}" type="datetimeFigureOut">
               <a:rPr lang="en-US" smtClean="0"/>
-              <a:t>1/21/2020</a:t>
+              <a:t>1/22/20</a:t>
             </a:fld>
             <a:endParaRPr lang="en-US"/>
           </a:p>
@@ -6263,7 +6261,7 @@
             </a:pPr>
             <a:fld id="{00000000-1234-1234-1234-123412341234}" type="slidenum">
               <a:rPr lang="es" smtClean="0"/>
-              <a:t>‹Nº›</a:t>
+              <a:t>‹#›</a:t>
             </a:fld>
             <a:endParaRPr lang="es"/>
           </a:p>
@@ -6389,7 +6387,7 @@
           <a:p>
             <a:fld id="{33D65C4C-E6C6-1D47-AF12-AE806350355C}" type="datetimeFigureOut">
               <a:rPr lang="en-US" smtClean="0"/>
-              <a:t>1/21/2020</a:t>
+              <a:t>1/22/20</a:t>
             </a:fld>
             <a:endParaRPr lang="en-US"/>
           </a:p>
@@ -6440,7 +6438,7 @@
             </a:pPr>
             <a:fld id="{00000000-1234-1234-1234-123412341234}" type="slidenum">
               <a:rPr lang="es" smtClean="0"/>
-              <a:t>‹Nº›</a:t>
+              <a:t>‹#›</a:t>
             </a:fld>
             <a:endParaRPr lang="es"/>
           </a:p>
@@ -6494,7 +6492,7 @@
           <a:p>
             <a:fld id="{33D65C4C-E6C6-1D47-AF12-AE806350355C}" type="datetimeFigureOut">
               <a:rPr lang="en-US" smtClean="0"/>
-              <a:t>1/21/2020</a:t>
+              <a:t>1/22/20</a:t>
             </a:fld>
             <a:endParaRPr lang="en-US"/>
           </a:p>
@@ -6545,7 +6543,7 @@
             </a:pPr>
             <a:fld id="{00000000-1234-1234-1234-123412341234}" type="slidenum">
               <a:rPr lang="es" smtClean="0"/>
-              <a:t>‹Nº›</a:t>
+              <a:t>‹#›</a:t>
             </a:fld>
             <a:endParaRPr lang="es"/>
           </a:p>
@@ -6881,7 +6879,7 @@
           <a:p>
             <a:fld id="{33D65C4C-E6C6-1D47-AF12-AE806350355C}" type="datetimeFigureOut">
               <a:rPr lang="en-US" smtClean="0"/>
-              <a:t>1/21/2020</a:t>
+              <a:t>1/22/20</a:t>
             </a:fld>
             <a:endParaRPr lang="en-US"/>
           </a:p>
@@ -6954,7 +6952,7 @@
             </a:pPr>
             <a:fld id="{00000000-1234-1234-1234-123412341234}" type="slidenum">
               <a:rPr lang="es" smtClean="0"/>
-              <a:t>‹Nº›</a:t>
+              <a:t>‹#›</a:t>
             </a:fld>
             <a:endParaRPr lang="es"/>
           </a:p>
@@ -7185,7 +7183,7 @@
           <a:p>
             <a:fld id="{33D65C4C-E6C6-1D47-AF12-AE806350355C}" type="datetimeFigureOut">
               <a:rPr lang="en-US" smtClean="0"/>
-              <a:t>1/21/2020</a:t>
+              <a:t>1/22/20</a:t>
             </a:fld>
             <a:endParaRPr lang="en-US"/>
           </a:p>
@@ -7236,7 +7234,7 @@
             </a:pPr>
             <a:fld id="{00000000-1234-1234-1234-123412341234}" type="slidenum">
               <a:rPr lang="es" smtClean="0"/>
-              <a:t>‹Nº›</a:t>
+              <a:t>‹#›</a:t>
             </a:fld>
             <a:endParaRPr lang="es"/>
           </a:p>
@@ -7406,7 +7404,7 @@
           <a:p>
             <a:fld id="{33D65C4C-E6C6-1D47-AF12-AE806350355C}" type="datetimeFigureOut">
               <a:rPr lang="en-US" smtClean="0"/>
-              <a:t>1/21/2020</a:t>
+              <a:t>1/22/20</a:t>
             </a:fld>
             <a:endParaRPr lang="en-US"/>
           </a:p>
@@ -7489,7 +7487,7 @@
             </a:pPr>
             <a:fld id="{00000000-1234-1234-1234-123412341234}" type="slidenum">
               <a:rPr lang="es" smtClean="0"/>
-              <a:t>‹Nº›</a:t>
+              <a:t>‹#›</a:t>
             </a:fld>
             <a:endParaRPr lang="es"/>
           </a:p>
@@ -8163,13 +8161,6 @@
   <p:clrMapOvr>
     <a:masterClrMapping/>
   </p:clrMapOvr>
-  <p:timing>
-    <p:tnLst>
-      <p:par>
-        <p:cTn id="1" dur="indefinite" restart="never" nodeType="tmRoot"/>
-      </p:par>
-    </p:tnLst>
-  </p:timing>
 </p:sld>
 </file>
 
@@ -8248,13 +8239,6 @@
   <p:clrMapOvr>
     <a:masterClrMapping/>
   </p:clrMapOvr>
-  <p:timing>
-    <p:tnLst>
-      <p:par>
-        <p:cTn id="1" dur="indefinite" restart="never" nodeType="tmRoot"/>
-      </p:par>
-    </p:tnLst>
-  </p:timing>
 </p:sld>
 </file>
 
@@ -8488,13 +8472,6 @@
   <p:clrMapOvr>
     <a:masterClrMapping/>
   </p:clrMapOvr>
-  <p:timing>
-    <p:tnLst>
-      <p:par>
-        <p:cTn id="1" dur="indefinite" restart="never" nodeType="tmRoot"/>
-      </p:par>
-    </p:tnLst>
-  </p:timing>
 </p:sld>
 </file>
 
@@ -8769,13 +8746,6 @@
   <p:clrMapOvr>
     <a:masterClrMapping/>
   </p:clrMapOvr>
-  <p:timing>
-    <p:tnLst>
-      <p:par>
-        <p:cTn id="1" dur="indefinite" restart="never" nodeType="tmRoot"/>
-      </p:par>
-    </p:tnLst>
-  </p:timing>
 </p:sld>
 </file>
 
@@ -9027,7 +8997,7 @@
           <a:p>
             <a:pPr algn="ctr"/>
             <a:r>
-              <a:rPr lang="es-ES" dirty="0" smtClean="0"/>
+              <a:rPr lang="es-ES" dirty="0"/>
               <a:t>Protocolo NO orientado a la conexión</a:t>
             </a:r>
             <a:endParaRPr lang="es-CO" dirty="0"/>
@@ -9039,13 +9009,6 @@
   <p:clrMapOvr>
     <a:masterClrMapping/>
   </p:clrMapOvr>
-  <p:timing>
-    <p:tnLst>
-      <p:par>
-        <p:cTn id="1" dur="indefinite" restart="never" nodeType="tmRoot"/>
-      </p:par>
-    </p:tnLst>
-  </p:timing>
 </p:sld>
 </file>
 
@@ -9297,7 +9260,7 @@
           <a:p>
             <a:pPr algn="ctr"/>
             <a:r>
-              <a:rPr lang="es-ES" dirty="0" smtClean="0"/>
+              <a:rPr lang="es-ES" dirty="0"/>
               <a:t>Protocolo orientado a la conexión</a:t>
             </a:r>
             <a:endParaRPr lang="es-CO" dirty="0"/>
@@ -9309,13 +9272,6 @@
   <p:clrMapOvr>
     <a:masterClrMapping/>
   </p:clrMapOvr>
-  <p:timing>
-    <p:tnLst>
-      <p:par>
-        <p:cTn id="1" dur="indefinite" restart="never" nodeType="tmRoot"/>
-      </p:par>
-    </p:tnLst>
-  </p:timing>
 </p:sld>
 </file>
 
@@ -9510,13 +9466,6 @@
   <p:clrMapOvr>
     <a:masterClrMapping/>
   </p:clrMapOvr>
-  <p:timing>
-    <p:tnLst>
-      <p:par>
-        <p:cTn id="1" dur="indefinite" restart="never" nodeType="tmRoot"/>
-      </p:par>
-    </p:tnLst>
-  </p:timing>
 </p:sld>
 </file>
 
@@ -9600,13 +9549,6 @@
   <p:clrMapOvr>
     <a:masterClrMapping/>
   </p:clrMapOvr>
-  <p:timing>
-    <p:tnLst>
-      <p:par>
-        <p:cTn id="1" dur="indefinite" restart="never" nodeType="tmRoot"/>
-      </p:par>
-    </p:tnLst>
-  </p:timing>
 </p:sld>
 </file>
 
@@ -9756,7 +9698,7 @@
         <p:spPr>
           <a:xfrm>
             <a:off x="1524000" y="1427464"/>
-            <a:ext cx="983975" cy="307777"/>
+            <a:ext cx="983975" cy="523220"/>
           </a:xfrm>
           <a:prstGeom prst="rect">
             <a:avLst/>
@@ -9771,8 +9713,8 @@
           <a:p>
             <a:pPr algn="ctr"/>
             <a:r>
-              <a:rPr lang="en-US" dirty="0" smtClean="0"/>
-              <a:t>Proyecto</a:t>
+              <a:rPr lang="en-US"/>
+              <a:t>Proyecto Final</a:t>
             </a:r>
             <a:endParaRPr lang="en-US" dirty="0"/>
           </a:p>
@@ -10067,13 +10009,6 @@
   <p:clrMapOvr>
     <a:masterClrMapping/>
   </p:clrMapOvr>
-  <p:timing>
-    <p:tnLst>
-      <p:par>
-        <p:cTn id="1" dur="indefinite" restart="never" nodeType="tmRoot"/>
-      </p:par>
-    </p:tnLst>
-  </p:timing>
 </p:sld>
 </file>
 
@@ -10225,13 +10160,6 @@
   <p:clrMapOvr>
     <a:masterClrMapping/>
   </p:clrMapOvr>
-  <p:timing>
-    <p:tnLst>
-      <p:par>
-        <p:cTn id="1" dur="indefinite" restart="never" nodeType="tmRoot"/>
-      </p:par>
-    </p:tnLst>
-  </p:timing>
 </p:sld>
 </file>
 
@@ -10405,13 +10333,6 @@
   <p:clrMapOvr>
     <a:masterClrMapping/>
   </p:clrMapOvr>
-  <p:timing>
-    <p:tnLst>
-      <p:par>
-        <p:cTn id="1" dur="indefinite" restart="never" nodeType="tmRoot"/>
-      </p:par>
-    </p:tnLst>
-  </p:timing>
 </p:sld>
 </file>
 
@@ -10585,13 +10506,6 @@
   <p:clrMapOvr>
     <a:masterClrMapping/>
   </p:clrMapOvr>
-  <p:timing>
-    <p:tnLst>
-      <p:par>
-        <p:cTn id="1" dur="indefinite" restart="never" nodeType="tmRoot"/>
-      </p:par>
-    </p:tnLst>
-  </p:timing>
 </p:sld>
 </file>
 
@@ -10846,13 +10760,6 @@
   <p:clrMapOvr>
     <a:masterClrMapping/>
   </p:clrMapOvr>
-  <p:timing>
-    <p:tnLst>
-      <p:par>
-        <p:cTn id="1" dur="indefinite" restart="never" nodeType="tmRoot"/>
-      </p:par>
-    </p:tnLst>
-  </p:timing>
 </p:sld>
 </file>
 
@@ -11039,13 +10946,6 @@
   <p:clrMapOvr>
     <a:masterClrMapping/>
   </p:clrMapOvr>
-  <p:timing>
-    <p:tnLst>
-      <p:par>
-        <p:cTn id="1" dur="indefinite" restart="never" nodeType="tmRoot"/>
-      </p:par>
-    </p:tnLst>
-  </p:timing>
 </p:sld>
 </file>
 
@@ -11237,13 +11137,6 @@
   <p:clrMapOvr>
     <a:masterClrMapping/>
   </p:clrMapOvr>
-  <p:timing>
-    <p:tnLst>
-      <p:par>
-        <p:cTn id="1" dur="indefinite" restart="never" nodeType="tmRoot"/>
-      </p:par>
-    </p:tnLst>
-  </p:timing>
 </p:sld>
 </file>
 
@@ -11435,13 +11328,6 @@
   <p:clrMapOvr>
     <a:masterClrMapping/>
   </p:clrMapOvr>
-  <p:timing>
-    <p:tnLst>
-      <p:par>
-        <p:cTn id="1" dur="indefinite" restart="never" nodeType="tmRoot"/>
-      </p:par>
-    </p:tnLst>
-  </p:timing>
 </p:sld>
 </file>
 
@@ -11633,13 +11519,6 @@
   <p:clrMapOvr>
     <a:masterClrMapping/>
   </p:clrMapOvr>
-  <p:timing>
-    <p:tnLst>
-      <p:par>
-        <p:cTn id="1" dur="indefinite" restart="never" nodeType="tmRoot"/>
-      </p:par>
-    </p:tnLst>
-  </p:timing>
 </p:sld>
 </file>
 
